--- a/ppt/java_ppt/10장-추상 클래스.pptx
+++ b/ppt/java_ppt/10장-추상 클래스.pptx
@@ -5,42 +5,45 @@
     <p:sldMasterId id="2147483648" r:id="rId1"/>
   </p:sldMasterIdLst>
   <p:notesMasterIdLst>
-    <p:notesMasterId r:id="rId35"/>
+    <p:notesMasterId r:id="rId38"/>
   </p:notesMasterIdLst>
   <p:sldIdLst>
     <p:sldId id="256" r:id="rId2"/>
     <p:sldId id="358" r:id="rId3"/>
     <p:sldId id="392" r:id="rId4"/>
     <p:sldId id="393" r:id="rId5"/>
-    <p:sldId id="394" r:id="rId6"/>
-    <p:sldId id="391" r:id="rId7"/>
-    <p:sldId id="371" r:id="rId8"/>
-    <p:sldId id="384" r:id="rId9"/>
-    <p:sldId id="395" r:id="rId10"/>
-    <p:sldId id="370" r:id="rId11"/>
-    <p:sldId id="374" r:id="rId12"/>
-    <p:sldId id="375" r:id="rId13"/>
-    <p:sldId id="376" r:id="rId14"/>
-    <p:sldId id="369" r:id="rId15"/>
-    <p:sldId id="367" r:id="rId16"/>
-    <p:sldId id="373" r:id="rId17"/>
-    <p:sldId id="377" r:id="rId18"/>
-    <p:sldId id="380" r:id="rId19"/>
-    <p:sldId id="381" r:id="rId20"/>
-    <p:sldId id="386" r:id="rId21"/>
-    <p:sldId id="383" r:id="rId22"/>
-    <p:sldId id="385" r:id="rId23"/>
-    <p:sldId id="359" r:id="rId24"/>
-    <p:sldId id="360" r:id="rId25"/>
-    <p:sldId id="387" r:id="rId26"/>
-    <p:sldId id="378" r:id="rId27"/>
-    <p:sldId id="361" r:id="rId28"/>
-    <p:sldId id="379" r:id="rId29"/>
-    <p:sldId id="388" r:id="rId30"/>
-    <p:sldId id="389" r:id="rId31"/>
-    <p:sldId id="390" r:id="rId32"/>
-    <p:sldId id="363" r:id="rId33"/>
-    <p:sldId id="362" r:id="rId34"/>
+    <p:sldId id="396" r:id="rId6"/>
+    <p:sldId id="394" r:id="rId7"/>
+    <p:sldId id="391" r:id="rId8"/>
+    <p:sldId id="371" r:id="rId9"/>
+    <p:sldId id="384" r:id="rId10"/>
+    <p:sldId id="395" r:id="rId11"/>
+    <p:sldId id="370" r:id="rId12"/>
+    <p:sldId id="374" r:id="rId13"/>
+    <p:sldId id="398" r:id="rId14"/>
+    <p:sldId id="375" r:id="rId15"/>
+    <p:sldId id="376" r:id="rId16"/>
+    <p:sldId id="369" r:id="rId17"/>
+    <p:sldId id="367" r:id="rId18"/>
+    <p:sldId id="397" r:id="rId19"/>
+    <p:sldId id="373" r:id="rId20"/>
+    <p:sldId id="377" r:id="rId21"/>
+    <p:sldId id="380" r:id="rId22"/>
+    <p:sldId id="381" r:id="rId23"/>
+    <p:sldId id="386" r:id="rId24"/>
+    <p:sldId id="383" r:id="rId25"/>
+    <p:sldId id="385" r:id="rId26"/>
+    <p:sldId id="359" r:id="rId27"/>
+    <p:sldId id="360" r:id="rId28"/>
+    <p:sldId id="387" r:id="rId29"/>
+    <p:sldId id="378" r:id="rId30"/>
+    <p:sldId id="361" r:id="rId31"/>
+    <p:sldId id="379" r:id="rId32"/>
+    <p:sldId id="388" r:id="rId33"/>
+    <p:sldId id="389" r:id="rId34"/>
+    <p:sldId id="390" r:id="rId35"/>
+    <p:sldId id="363" r:id="rId36"/>
+    <p:sldId id="362" r:id="rId37"/>
   </p:sldIdLst>
   <p:sldSz cx="9906000" cy="6858000" type="A4"/>
   <p:notesSz cx="6858000" cy="9144000"/>
@@ -240,7 +243,7 @@
           <a:p>
             <a:fld id="{7665CDAC-D627-4E87-877A-1B781DD4CADC}" type="datetimeFigureOut">
               <a:rPr lang="ko-KR" altLang="en-US" smtClean="0"/>
-              <a:t>2023-05-24</a:t>
+              <a:t>2023-05-26</a:t>
             </a:fld>
             <a:endParaRPr lang="ko-KR" altLang="en-US"/>
           </a:p>
@@ -778,7 +781,7 @@
           <a:p>
             <a:fld id="{F4AC81B4-D91A-4578-85B3-829E63FCFE17}" type="datetime1">
               <a:rPr lang="ko-KR" altLang="en-US" smtClean="0"/>
-              <a:t>2023-05-24</a:t>
+              <a:t>2023-05-26</a:t>
             </a:fld>
             <a:endParaRPr lang="ko-KR" altLang="en-US"/>
           </a:p>
@@ -1153,7 +1156,7 @@
           <a:p>
             <a:fld id="{F5B77542-37E5-48F2-BAE7-80CC6B0EB6A3}" type="datetime1">
               <a:rPr lang="ko-KR" altLang="en-US" smtClean="0"/>
-              <a:t>2023-05-24</a:t>
+              <a:t>2023-05-26</a:t>
             </a:fld>
             <a:endParaRPr lang="ko-KR" altLang="en-US"/>
           </a:p>
@@ -1333,7 +1336,7 @@
           <a:p>
             <a:fld id="{227CF174-B5AC-4A98-B673-0BE8126D3F27}" type="datetime1">
               <a:rPr lang="ko-KR" altLang="en-US" smtClean="0"/>
-              <a:t>2023-05-24</a:t>
+              <a:t>2023-05-26</a:t>
             </a:fld>
             <a:endParaRPr lang="ko-KR" altLang="en-US"/>
           </a:p>
@@ -1507,7 +1510,7 @@
           <a:p>
             <a:fld id="{E20FDEC8-1339-42E8-9704-2977280C2FD3}" type="datetime1">
               <a:rPr lang="ko-KR" altLang="en-US" smtClean="0"/>
-              <a:t>2023-05-24</a:t>
+              <a:t>2023-05-26</a:t>
             </a:fld>
             <a:endParaRPr lang="ko-KR" altLang="en-US"/>
           </a:p>
@@ -1753,7 +1756,7 @@
           <a:p>
             <a:fld id="{4D18DC76-A282-4817-B790-197F054E1215}" type="datetime1">
               <a:rPr lang="ko-KR" altLang="en-US" smtClean="0"/>
-              <a:t>2023-05-24</a:t>
+              <a:t>2023-05-26</a:t>
             </a:fld>
             <a:endParaRPr lang="ko-KR" altLang="en-US"/>
           </a:p>
@@ -2041,7 +2044,7 @@
           <a:p>
             <a:fld id="{6680AA6C-13D8-43E4-90F0-E6C88A2B9F16}" type="datetime1">
               <a:rPr lang="ko-KR" altLang="en-US" smtClean="0"/>
-              <a:t>2023-05-24</a:t>
+              <a:t>2023-05-26</a:t>
             </a:fld>
             <a:endParaRPr lang="ko-KR" altLang="en-US"/>
           </a:p>
@@ -2463,7 +2466,7 @@
           <a:p>
             <a:fld id="{3EF5B03B-20CC-436E-8601-C933C6C1F4A6}" type="datetime1">
               <a:rPr lang="ko-KR" altLang="en-US" smtClean="0"/>
-              <a:t>2023-05-24</a:t>
+              <a:t>2023-05-26</a:t>
             </a:fld>
             <a:endParaRPr lang="ko-KR" altLang="en-US"/>
           </a:p>
@@ -2581,7 +2584,7 @@
           <a:p>
             <a:fld id="{87B5A15D-8B08-482F-AB47-E416EC355EB6}" type="datetime1">
               <a:rPr lang="ko-KR" altLang="en-US" smtClean="0"/>
-              <a:t>2023-05-24</a:t>
+              <a:t>2023-05-26</a:t>
             </a:fld>
             <a:endParaRPr lang="ko-KR" altLang="en-US"/>
           </a:p>
@@ -2676,7 +2679,7 @@
           <a:p>
             <a:fld id="{A877D7F8-7B64-44F8-A411-CBD22F28CBFF}" type="datetime1">
               <a:rPr lang="ko-KR" altLang="en-US" smtClean="0"/>
-              <a:t>2023-05-24</a:t>
+              <a:t>2023-05-26</a:t>
             </a:fld>
             <a:endParaRPr lang="ko-KR" altLang="en-US"/>
           </a:p>
@@ -2953,7 +2956,7 @@
           <a:p>
             <a:fld id="{E12DBD9B-2BB6-4D1F-BCB4-1E48829C93C3}" type="datetime1">
               <a:rPr lang="ko-KR" altLang="en-US" smtClean="0"/>
-              <a:t>2023-05-24</a:t>
+              <a:t>2023-05-26</a:t>
             </a:fld>
             <a:endParaRPr lang="ko-KR" altLang="en-US"/>
           </a:p>
@@ -3206,7 +3209,7 @@
           <a:p>
             <a:fld id="{17564C48-0CD7-40EB-BE64-BBF4DB8C56AF}" type="datetime1">
               <a:rPr lang="ko-KR" altLang="en-US" smtClean="0"/>
-              <a:t>2023-05-24</a:t>
+              <a:t>2023-05-26</a:t>
             </a:fld>
             <a:endParaRPr lang="ko-KR" altLang="en-US"/>
           </a:p>
@@ -3386,7 +3389,7 @@
           <a:p>
             <a:fld id="{C116BCB4-B68B-4638-8167-F4BDC0A30DA1}" type="datetime1">
               <a:rPr lang="ko-KR" altLang="en-US" smtClean="0"/>
-              <a:t>2023-05-24</a:t>
+              <a:t>2023-05-26</a:t>
             </a:fld>
             <a:endParaRPr lang="ko-KR" altLang="en-US"/>
           </a:p>
@@ -4183,12 +4186,8 @@
               <a:t> </a:t>
             </a:r>
             <a:r>
-              <a:rPr lang="ko-KR" altLang="en-US" dirty="0" smtClean="0"/>
-              <a:t>추상 클래스</a:t>
-            </a:r>
-            <a:r>
-              <a:rPr lang="en-US" altLang="ko-KR" dirty="0" smtClean="0"/>
-              <a:t>(abstract class)</a:t>
+              <a:rPr lang="ko-KR" altLang="en-US" dirty="0" err="1"/>
+              <a:t>추상메서드</a:t>
             </a:r>
             <a:endParaRPr lang="ko-KR" altLang="en-US" dirty="0"/>
           </a:p>
@@ -4217,6 +4216,176 @@
             <a:fld id="{1BDE3FE7-3AEA-4B05-AC5A-802D1816ACF0}" type="slidenum">
               <a:rPr lang="ko-KR" altLang="en-US" smtClean="0"/>
               <a:t>10</a:t>
+            </a:fld>
+            <a:endParaRPr lang="ko-KR" altLang="en-US"/>
+          </a:p>
+        </p:txBody>
+      </p:sp>
+      <p:pic>
+        <p:nvPicPr>
+          <p:cNvPr id="3" name="그림 2"/>
+          <p:cNvPicPr>
+            <a:picLocks noChangeAspect="1"/>
+          </p:cNvPicPr>
+          <p:nvPr/>
+        </p:nvPicPr>
+        <p:blipFill>
+          <a:blip r:embed="rId2">
+            <a:extLst>
+              <a:ext uri="{28A0092B-C50C-407E-A947-70E740481C1C}">
+                <a14:useLocalDpi xmlns:a14="http://schemas.microsoft.com/office/drawing/2010/main" val="0"/>
+              </a:ext>
+            </a:extLst>
+          </a:blip>
+          <a:stretch>
+            <a:fillRect/>
+          </a:stretch>
+        </p:blipFill>
+        <p:spPr>
+          <a:xfrm>
+            <a:off x="1928664" y="1047403"/>
+            <a:ext cx="4619168" cy="5169236"/>
+          </a:xfrm>
+          <a:prstGeom prst="rect">
+            <a:avLst/>
+          </a:prstGeom>
+          <a:ln>
+            <a:solidFill>
+              <a:schemeClr val="bg1">
+                <a:lumMod val="75000"/>
+              </a:schemeClr>
+            </a:solidFill>
+          </a:ln>
+        </p:spPr>
+      </p:pic>
+      <p:pic>
+        <p:nvPicPr>
+          <p:cNvPr id="4" name="그림 3"/>
+          <p:cNvPicPr>
+            <a:picLocks noChangeAspect="1"/>
+          </p:cNvPicPr>
+          <p:nvPr/>
+        </p:nvPicPr>
+        <p:blipFill>
+          <a:blip r:embed="rId3">
+            <a:extLst>
+              <a:ext uri="{28A0092B-C50C-407E-A947-70E740481C1C}">
+                <a14:useLocalDpi xmlns:a14="http://schemas.microsoft.com/office/drawing/2010/main" val="0"/>
+              </a:ext>
+            </a:extLst>
+          </a:blip>
+          <a:stretch>
+            <a:fillRect/>
+          </a:stretch>
+        </p:blipFill>
+        <p:spPr>
+          <a:xfrm>
+            <a:off x="6969224" y="3332212"/>
+            <a:ext cx="1051651" cy="1806097"/>
+          </a:xfrm>
+          <a:prstGeom prst="rect">
+            <a:avLst/>
+          </a:prstGeom>
+          <a:ln>
+            <a:solidFill>
+              <a:schemeClr val="bg1">
+                <a:lumMod val="75000"/>
+              </a:schemeClr>
+            </a:solidFill>
+          </a:ln>
+        </p:spPr>
+      </p:pic>
+    </p:spTree>
+    <p:extLst>
+      <p:ext uri="{BB962C8B-B14F-4D97-AF65-F5344CB8AC3E}">
+        <p14:creationId xmlns:p14="http://schemas.microsoft.com/office/powerpoint/2010/main" val="772573058"/>
+      </p:ext>
+    </p:extLst>
+  </p:cSld>
+  <p:clrMapOvr>
+    <a:masterClrMapping/>
+  </p:clrMapOvr>
+  <p:timing>
+    <p:tnLst>
+      <p:par>
+        <p:cTn id="1" dur="indefinite" restart="never" nodeType="tmRoot"/>
+      </p:par>
+    </p:tnLst>
+  </p:timing>
+</p:sld>
+</file>
+
+<file path=ppt/slides/slide11.xml><?xml version="1.0" encoding="utf-8"?>
+<p:sld xmlns:a="http://schemas.openxmlformats.org/drawingml/2006/main" xmlns:r="http://schemas.openxmlformats.org/officeDocument/2006/relationships" xmlns:p="http://schemas.openxmlformats.org/presentationml/2006/main">
+  <p:cSld>
+    <p:spTree>
+      <p:nvGrpSpPr>
+        <p:cNvPr id="1" name=""/>
+        <p:cNvGrpSpPr/>
+        <p:nvPr/>
+      </p:nvGrpSpPr>
+      <p:grpSpPr>
+        <a:xfrm>
+          <a:off x="0" y="0"/>
+          <a:ext cx="0" cy="0"/>
+          <a:chOff x="0" y="0"/>
+          <a:chExt cx="0" cy="0"/>
+        </a:xfrm>
+      </p:grpSpPr>
+      <p:sp>
+        <p:nvSpPr>
+          <p:cNvPr id="6" name="제목 5"/>
+          <p:cNvSpPr>
+            <a:spLocks noGrp="1"/>
+          </p:cNvSpPr>
+          <p:nvPr>
+            <p:ph type="title"/>
+          </p:nvPr>
+        </p:nvSpPr>
+        <p:spPr/>
+        <p:txBody>
+          <a:bodyPr/>
+          <a:lstStyle/>
+          <a:p>
+            <a:r>
+              <a:rPr lang="en-US" altLang="ko-KR" dirty="0" smtClean="0"/>
+              <a:t> </a:t>
+            </a:r>
+            <a:r>
+              <a:rPr lang="ko-KR" altLang="en-US" dirty="0" smtClean="0"/>
+              <a:t>추상 클래스</a:t>
+            </a:r>
+            <a:r>
+              <a:rPr lang="en-US" altLang="ko-KR" dirty="0" smtClean="0"/>
+              <a:t>(abstract class)</a:t>
+            </a:r>
+            <a:endParaRPr lang="ko-KR" altLang="en-US" dirty="0"/>
+          </a:p>
+        </p:txBody>
+      </p:sp>
+      <p:sp>
+        <p:nvSpPr>
+          <p:cNvPr id="5" name="슬라이드 번호 개체 틀 4"/>
+          <p:cNvSpPr>
+            <a:spLocks noGrp="1"/>
+          </p:cNvSpPr>
+          <p:nvPr>
+            <p:ph type="sldNum" sz="quarter" idx="12"/>
+          </p:nvPr>
+        </p:nvSpPr>
+        <p:spPr>
+          <a:xfrm>
+            <a:off x="8853433" y="7312347"/>
+            <a:ext cx="557267" cy="365125"/>
+          </a:xfrm>
+        </p:spPr>
+        <p:txBody>
+          <a:bodyPr/>
+          <a:lstStyle/>
+          <a:p>
+            <a:fld id="{1BDE3FE7-3AEA-4B05-AC5A-802D1816ACF0}" type="slidenum">
+              <a:rPr lang="ko-KR" altLang="en-US" smtClean="0"/>
+              <a:t>11</a:t>
             </a:fld>
             <a:endParaRPr lang="ko-KR" altLang="en-US"/>
           </a:p>
@@ -5135,7 +5304,7 @@
 </p:sld>
 </file>
 
-<file path=ppt/slides/slide11.xml><?xml version="1.0" encoding="utf-8"?>
+<file path=ppt/slides/slide12.xml><?xml version="1.0" encoding="utf-8"?>
 <p:sld xmlns:a="http://schemas.openxmlformats.org/drawingml/2006/main" xmlns:r="http://schemas.openxmlformats.org/officeDocument/2006/relationships" xmlns:p="http://schemas.openxmlformats.org/presentationml/2006/main">
   <p:cSld>
     <p:spTree>
@@ -5201,7 +5370,7 @@
           <a:p>
             <a:fld id="{1BDE3FE7-3AEA-4B05-AC5A-802D1816ACF0}" type="slidenum">
               <a:rPr lang="ko-KR" altLang="en-US" smtClean="0"/>
-              <a:t>11</a:t>
+              <a:t>12</a:t>
             </a:fld>
             <a:endParaRPr lang="ko-KR" altLang="en-US"/>
           </a:p>
@@ -5442,45 +5611,8 @@
         </p:blipFill>
         <p:spPr>
           <a:xfrm>
-            <a:off x="704528" y="1697121"/>
-            <a:ext cx="4547392" cy="1731879"/>
-          </a:xfrm>
-          <a:prstGeom prst="rect">
-            <a:avLst/>
-          </a:prstGeom>
-          <a:ln>
-            <a:solidFill>
-              <a:schemeClr val="bg1">
-                <a:lumMod val="85000"/>
-              </a:schemeClr>
-            </a:solidFill>
-          </a:ln>
-        </p:spPr>
-      </p:pic>
-      <p:pic>
-        <p:nvPicPr>
-          <p:cNvPr id="4" name="그림 3"/>
-          <p:cNvPicPr>
-            <a:picLocks noChangeAspect="1"/>
-          </p:cNvPicPr>
-          <p:nvPr/>
-        </p:nvPicPr>
-        <p:blipFill>
-          <a:blip r:embed="rId3">
-            <a:extLst>
-              <a:ext uri="{28A0092B-C50C-407E-A947-70E740481C1C}">
-                <a14:useLocalDpi xmlns:a14="http://schemas.microsoft.com/office/drawing/2010/main" val="0"/>
-              </a:ext>
-            </a:extLst>
-          </a:blip>
-          <a:stretch>
-            <a:fillRect/>
-          </a:stretch>
-        </p:blipFill>
-        <p:spPr>
-          <a:xfrm>
-            <a:off x="5395578" y="1697120"/>
-            <a:ext cx="4294877" cy="4108144"/>
+            <a:off x="1432929" y="2060848"/>
+            <a:ext cx="5483068" cy="2088232"/>
           </a:xfrm>
           <a:prstGeom prst="rect">
             <a:avLst/>
@@ -5514,7 +5646,7 @@
 </p:sld>
 </file>
 
-<file path=ppt/slides/slide12.xml><?xml version="1.0" encoding="utf-8"?>
+<file path=ppt/slides/slide13.xml><?xml version="1.0" encoding="utf-8"?>
 <p:sld xmlns:a="http://schemas.openxmlformats.org/drawingml/2006/main" xmlns:r="http://schemas.openxmlformats.org/officeDocument/2006/relationships" xmlns:p="http://schemas.openxmlformats.org/presentationml/2006/main">
   <p:cSld>
     <p:spTree>
@@ -5580,7 +5712,349 @@
           <a:p>
             <a:fld id="{1BDE3FE7-3AEA-4B05-AC5A-802D1816ACF0}" type="slidenum">
               <a:rPr lang="ko-KR" altLang="en-US" smtClean="0"/>
-              <a:t>12</a:t>
+              <a:t>13</a:t>
+            </a:fld>
+            <a:endParaRPr lang="ko-KR" altLang="en-US"/>
+          </a:p>
+        </p:txBody>
+      </p:sp>
+      <p:sp>
+        <p:nvSpPr>
+          <p:cNvPr id="10" name="내용 개체 틀 2">
+            <a:extLst>
+              <a:ext uri="{FF2B5EF4-FFF2-40B4-BE49-F238E27FC236}">
+                <a16:creationId xmlns:a16="http://schemas.microsoft.com/office/drawing/2014/main" id="{98AF3A4E-7D90-4241-89FE-799D6F9D5A94}"/>
+              </a:ext>
+            </a:extLst>
+          </p:cNvPr>
+          <p:cNvSpPr txBox="1">
+            <a:spLocks/>
+          </p:cNvSpPr>
+          <p:nvPr/>
+        </p:nvSpPr>
+        <p:spPr>
+          <a:xfrm>
+            <a:off x="948082" y="1052736"/>
+            <a:ext cx="5517086" cy="504056"/>
+          </a:xfrm>
+          <a:prstGeom prst="rect">
+            <a:avLst/>
+          </a:prstGeom>
+        </p:spPr>
+        <p:txBody>
+          <a:bodyPr/>
+          <a:lstStyle>
+            <a:lvl1pPr marL="228600" indent="-228600" algn="l" defTabSz="914400" rtl="0" eaLnBrk="1" latinLnBrk="1" hangingPunct="1">
+              <a:lnSpc>
+                <a:spcPct val="90000"/>
+              </a:lnSpc>
+              <a:spcBef>
+                <a:spcPts val="1000"/>
+              </a:spcBef>
+              <a:buFont typeface="Arial" panose="020B0604020202020204" pitchFamily="34" charset="0"/>
+              <a:buChar char="•"/>
+              <a:defRPr sz="2800" kern="1200">
+                <a:solidFill>
+                  <a:schemeClr val="tx1"/>
+                </a:solidFill>
+                <a:latin typeface="+mn-lt"/>
+                <a:ea typeface="+mn-ea"/>
+                <a:cs typeface="+mn-cs"/>
+              </a:defRPr>
+            </a:lvl1pPr>
+            <a:lvl2pPr marL="685800" indent="-228600" algn="l" defTabSz="914400" rtl="0" eaLnBrk="1" latinLnBrk="1" hangingPunct="1">
+              <a:lnSpc>
+                <a:spcPct val="90000"/>
+              </a:lnSpc>
+              <a:spcBef>
+                <a:spcPts val="500"/>
+              </a:spcBef>
+              <a:buFont typeface="Arial" panose="020B0604020202020204" pitchFamily="34" charset="0"/>
+              <a:buChar char="•"/>
+              <a:defRPr sz="2400" kern="1200">
+                <a:solidFill>
+                  <a:schemeClr val="tx1"/>
+                </a:solidFill>
+                <a:latin typeface="+mn-lt"/>
+                <a:ea typeface="+mn-ea"/>
+                <a:cs typeface="+mn-cs"/>
+              </a:defRPr>
+            </a:lvl2pPr>
+            <a:lvl3pPr marL="1143000" indent="-228600" algn="l" defTabSz="914400" rtl="0" eaLnBrk="1" latinLnBrk="1" hangingPunct="1">
+              <a:lnSpc>
+                <a:spcPct val="90000"/>
+              </a:lnSpc>
+              <a:spcBef>
+                <a:spcPts val="500"/>
+              </a:spcBef>
+              <a:buFont typeface="Arial" panose="020B0604020202020204" pitchFamily="34" charset="0"/>
+              <a:buChar char="•"/>
+              <a:defRPr sz="2000" kern="1200">
+                <a:solidFill>
+                  <a:schemeClr val="tx1"/>
+                </a:solidFill>
+                <a:latin typeface="+mn-lt"/>
+                <a:ea typeface="+mn-ea"/>
+                <a:cs typeface="+mn-cs"/>
+              </a:defRPr>
+            </a:lvl3pPr>
+            <a:lvl4pPr marL="1600200" indent="-228600" algn="l" defTabSz="914400" rtl="0" eaLnBrk="1" latinLnBrk="1" hangingPunct="1">
+              <a:lnSpc>
+                <a:spcPct val="90000"/>
+              </a:lnSpc>
+              <a:spcBef>
+                <a:spcPts val="500"/>
+              </a:spcBef>
+              <a:buFont typeface="Arial" panose="020B0604020202020204" pitchFamily="34" charset="0"/>
+              <a:buChar char="•"/>
+              <a:defRPr sz="1800" kern="1200">
+                <a:solidFill>
+                  <a:schemeClr val="tx1"/>
+                </a:solidFill>
+                <a:latin typeface="+mn-lt"/>
+                <a:ea typeface="+mn-ea"/>
+                <a:cs typeface="+mn-cs"/>
+              </a:defRPr>
+            </a:lvl4pPr>
+            <a:lvl5pPr marL="2057400" indent="-228600" algn="l" defTabSz="914400" rtl="0" eaLnBrk="1" latinLnBrk="1" hangingPunct="1">
+              <a:lnSpc>
+                <a:spcPct val="90000"/>
+              </a:lnSpc>
+              <a:spcBef>
+                <a:spcPts val="500"/>
+              </a:spcBef>
+              <a:buFont typeface="Arial" panose="020B0604020202020204" pitchFamily="34" charset="0"/>
+              <a:buChar char="•"/>
+              <a:defRPr sz="1800" kern="1200">
+                <a:solidFill>
+                  <a:schemeClr val="tx1"/>
+                </a:solidFill>
+                <a:latin typeface="+mn-lt"/>
+                <a:ea typeface="+mn-ea"/>
+                <a:cs typeface="+mn-cs"/>
+              </a:defRPr>
+            </a:lvl5pPr>
+            <a:lvl6pPr marL="2514600" indent="-228600" algn="l" defTabSz="914400" rtl="0" eaLnBrk="1" latinLnBrk="1" hangingPunct="1">
+              <a:lnSpc>
+                <a:spcPct val="90000"/>
+              </a:lnSpc>
+              <a:spcBef>
+                <a:spcPts val="500"/>
+              </a:spcBef>
+              <a:buFont typeface="Arial" panose="020B0604020202020204" pitchFamily="34" charset="0"/>
+              <a:buChar char="•"/>
+              <a:defRPr sz="1800" kern="1200">
+                <a:solidFill>
+                  <a:schemeClr val="tx1"/>
+                </a:solidFill>
+                <a:latin typeface="+mn-lt"/>
+                <a:ea typeface="+mn-ea"/>
+                <a:cs typeface="+mn-cs"/>
+              </a:defRPr>
+            </a:lvl6pPr>
+            <a:lvl7pPr marL="2971800" indent="-228600" algn="l" defTabSz="914400" rtl="0" eaLnBrk="1" latinLnBrk="1" hangingPunct="1">
+              <a:lnSpc>
+                <a:spcPct val="90000"/>
+              </a:lnSpc>
+              <a:spcBef>
+                <a:spcPts val="500"/>
+              </a:spcBef>
+              <a:buFont typeface="Arial" panose="020B0604020202020204" pitchFamily="34" charset="0"/>
+              <a:buChar char="•"/>
+              <a:defRPr sz="1800" kern="1200">
+                <a:solidFill>
+                  <a:schemeClr val="tx1"/>
+                </a:solidFill>
+                <a:latin typeface="+mn-lt"/>
+                <a:ea typeface="+mn-ea"/>
+                <a:cs typeface="+mn-cs"/>
+              </a:defRPr>
+            </a:lvl7pPr>
+            <a:lvl8pPr marL="3429000" indent="-228600" algn="l" defTabSz="914400" rtl="0" eaLnBrk="1" latinLnBrk="1" hangingPunct="1">
+              <a:lnSpc>
+                <a:spcPct val="90000"/>
+              </a:lnSpc>
+              <a:spcBef>
+                <a:spcPts val="500"/>
+              </a:spcBef>
+              <a:buFont typeface="Arial" panose="020B0604020202020204" pitchFamily="34" charset="0"/>
+              <a:buChar char="•"/>
+              <a:defRPr sz="1800" kern="1200">
+                <a:solidFill>
+                  <a:schemeClr val="tx1"/>
+                </a:solidFill>
+                <a:latin typeface="+mn-lt"/>
+                <a:ea typeface="+mn-ea"/>
+                <a:cs typeface="+mn-cs"/>
+              </a:defRPr>
+            </a:lvl8pPr>
+            <a:lvl9pPr marL="3886200" indent="-228600" algn="l" defTabSz="914400" rtl="0" eaLnBrk="1" latinLnBrk="1" hangingPunct="1">
+              <a:lnSpc>
+                <a:spcPct val="90000"/>
+              </a:lnSpc>
+              <a:spcBef>
+                <a:spcPts val="500"/>
+              </a:spcBef>
+              <a:buFont typeface="Arial" panose="020B0604020202020204" pitchFamily="34" charset="0"/>
+              <a:buChar char="•"/>
+              <a:defRPr sz="1800" kern="1200">
+                <a:solidFill>
+                  <a:schemeClr val="tx1"/>
+                </a:solidFill>
+                <a:latin typeface="+mn-lt"/>
+                <a:ea typeface="+mn-ea"/>
+                <a:cs typeface="+mn-cs"/>
+              </a:defRPr>
+            </a:lvl9pPr>
+          </a:lstStyle>
+          <a:p>
+            <a:pPr>
+              <a:lnSpc>
+                <a:spcPct val="150000"/>
+              </a:lnSpc>
+              <a:buFont typeface="Wingdings" panose="05000000000000000000" pitchFamily="2" charset="2"/>
+              <a:buChar char="§"/>
+            </a:pPr>
+            <a:r>
+              <a:rPr lang="ko-KR" altLang="en-US" sz="2000" b="1" dirty="0">
+                <a:solidFill>
+                  <a:srgbClr val="C00000"/>
+                </a:solidFill>
+              </a:rPr>
+              <a:t>한식 프랜차이즈 추상클래스 상속 예</a:t>
+            </a:r>
+            <a:endParaRPr lang="en-US" altLang="ko-KR" sz="2000" b="1" dirty="0">
+              <a:solidFill>
+                <a:srgbClr val="C00000"/>
+              </a:solidFill>
+            </a:endParaRPr>
+          </a:p>
+        </p:txBody>
+      </p:sp>
+      <p:pic>
+        <p:nvPicPr>
+          <p:cNvPr id="4" name="그림 3"/>
+          <p:cNvPicPr>
+            <a:picLocks noChangeAspect="1"/>
+          </p:cNvPicPr>
+          <p:nvPr/>
+        </p:nvPicPr>
+        <p:blipFill>
+          <a:blip r:embed="rId2">
+            <a:extLst>
+              <a:ext uri="{28A0092B-C50C-407E-A947-70E740481C1C}">
+                <a14:useLocalDpi xmlns:a14="http://schemas.microsoft.com/office/drawing/2010/main" val="0"/>
+              </a:ext>
+            </a:extLst>
+          </a:blip>
+          <a:stretch>
+            <a:fillRect/>
+          </a:stretch>
+        </p:blipFill>
+        <p:spPr>
+          <a:xfrm>
+            <a:off x="1568624" y="1700808"/>
+            <a:ext cx="4536504" cy="4339266"/>
+          </a:xfrm>
+          <a:prstGeom prst="rect">
+            <a:avLst/>
+          </a:prstGeom>
+          <a:ln>
+            <a:solidFill>
+              <a:schemeClr val="bg1">
+                <a:lumMod val="85000"/>
+              </a:schemeClr>
+            </a:solidFill>
+          </a:ln>
+        </p:spPr>
+      </p:pic>
+    </p:spTree>
+    <p:extLst>
+      <p:ext uri="{BB962C8B-B14F-4D97-AF65-F5344CB8AC3E}">
+        <p14:creationId xmlns:p14="http://schemas.microsoft.com/office/powerpoint/2010/main" val="1584864510"/>
+      </p:ext>
+    </p:extLst>
+  </p:cSld>
+  <p:clrMapOvr>
+    <a:masterClrMapping/>
+  </p:clrMapOvr>
+  <p:timing>
+    <p:tnLst>
+      <p:par>
+        <p:cTn id="1" dur="indefinite" restart="never" nodeType="tmRoot"/>
+      </p:par>
+    </p:tnLst>
+  </p:timing>
+</p:sld>
+</file>
+
+<file path=ppt/slides/slide14.xml><?xml version="1.0" encoding="utf-8"?>
+<p:sld xmlns:a="http://schemas.openxmlformats.org/drawingml/2006/main" xmlns:r="http://schemas.openxmlformats.org/officeDocument/2006/relationships" xmlns:p="http://schemas.openxmlformats.org/presentationml/2006/main">
+  <p:cSld>
+    <p:spTree>
+      <p:nvGrpSpPr>
+        <p:cNvPr id="1" name=""/>
+        <p:cNvGrpSpPr/>
+        <p:nvPr/>
+      </p:nvGrpSpPr>
+      <p:grpSpPr>
+        <a:xfrm>
+          <a:off x="0" y="0"/>
+          <a:ext cx="0" cy="0"/>
+          <a:chOff x="0" y="0"/>
+          <a:chExt cx="0" cy="0"/>
+        </a:xfrm>
+      </p:grpSpPr>
+      <p:sp>
+        <p:nvSpPr>
+          <p:cNvPr id="6" name="제목 5"/>
+          <p:cNvSpPr>
+            <a:spLocks noGrp="1"/>
+          </p:cNvSpPr>
+          <p:nvPr>
+            <p:ph type="title"/>
+          </p:nvPr>
+        </p:nvSpPr>
+        <p:spPr/>
+        <p:txBody>
+          <a:bodyPr/>
+          <a:lstStyle/>
+          <a:p>
+            <a:r>
+              <a:rPr lang="en-US" altLang="ko-KR" dirty="0" smtClean="0"/>
+              <a:t> </a:t>
+            </a:r>
+            <a:r>
+              <a:rPr lang="ko-KR" altLang="en-US" dirty="0" smtClean="0"/>
+              <a:t>추상클래스 실습</a:t>
+            </a:r>
+            <a:endParaRPr lang="ko-KR" altLang="en-US" dirty="0"/>
+          </a:p>
+        </p:txBody>
+      </p:sp>
+      <p:sp>
+        <p:nvSpPr>
+          <p:cNvPr id="5" name="슬라이드 번호 개체 틀 4"/>
+          <p:cNvSpPr>
+            <a:spLocks noGrp="1"/>
+          </p:cNvSpPr>
+          <p:nvPr>
+            <p:ph type="sldNum" sz="quarter" idx="12"/>
+          </p:nvPr>
+        </p:nvSpPr>
+        <p:spPr>
+          <a:xfrm>
+            <a:off x="8853433" y="7312347"/>
+            <a:ext cx="557267" cy="365125"/>
+          </a:xfrm>
+        </p:spPr>
+        <p:txBody>
+          <a:bodyPr/>
+          <a:lstStyle/>
+          <a:p>
+            <a:fld id="{1BDE3FE7-3AEA-4B05-AC5A-802D1816ACF0}" type="slidenum">
+              <a:rPr lang="ko-KR" altLang="en-US" smtClean="0"/>
+              <a:t>14</a:t>
             </a:fld>
             <a:endParaRPr lang="ko-KR" altLang="en-US"/>
           </a:p>
@@ -5857,7 +6331,7 @@
 </p:sld>
 </file>
 
-<file path=ppt/slides/slide13.xml><?xml version="1.0" encoding="utf-8"?>
+<file path=ppt/slides/slide15.xml><?xml version="1.0" encoding="utf-8"?>
 <p:sld xmlns:a="http://schemas.openxmlformats.org/drawingml/2006/main" xmlns:r="http://schemas.openxmlformats.org/officeDocument/2006/relationships" xmlns:p="http://schemas.openxmlformats.org/presentationml/2006/main">
   <p:cSld>
     <p:spTree>
@@ -5923,7 +6397,7 @@
           <a:p>
             <a:fld id="{1BDE3FE7-3AEA-4B05-AC5A-802D1816ACF0}" type="slidenum">
               <a:rPr lang="ko-KR" altLang="en-US" smtClean="0"/>
-              <a:t>13</a:t>
+              <a:t>15</a:t>
             </a:fld>
             <a:endParaRPr lang="ko-KR" altLang="en-US"/>
           </a:p>
@@ -6312,7 +6786,7 @@
 </p:sld>
 </file>
 
-<file path=ppt/slides/slide14.xml><?xml version="1.0" encoding="utf-8"?>
+<file path=ppt/slides/slide16.xml><?xml version="1.0" encoding="utf-8"?>
 <p:sld xmlns:a="http://schemas.openxmlformats.org/drawingml/2006/main" xmlns:r="http://schemas.openxmlformats.org/officeDocument/2006/relationships" xmlns:p="http://schemas.openxmlformats.org/presentationml/2006/main">
   <p:cSld>
     <p:spTree>
@@ -6382,7 +6856,7 @@
           <a:p>
             <a:fld id="{1BDE3FE7-3AEA-4B05-AC5A-802D1816ACF0}" type="slidenum">
               <a:rPr lang="ko-KR" altLang="en-US" smtClean="0"/>
-              <a:t>14</a:t>
+              <a:t>16</a:t>
             </a:fld>
             <a:endParaRPr lang="ko-KR" altLang="en-US"/>
           </a:p>
@@ -7189,7 +7663,7 @@
 </p:sld>
 </file>
 
-<file path=ppt/slides/slide15.xml><?xml version="1.0" encoding="utf-8"?>
+<file path=ppt/slides/slide17.xml><?xml version="1.0" encoding="utf-8"?>
 <p:sld xmlns:a="http://schemas.openxmlformats.org/drawingml/2006/main" xmlns:r="http://schemas.openxmlformats.org/officeDocument/2006/relationships" xmlns:p="http://schemas.openxmlformats.org/presentationml/2006/main">
   <p:cSld>
     <p:spTree>
@@ -7255,7 +7729,7 @@
           <a:p>
             <a:fld id="{1BDE3FE7-3AEA-4B05-AC5A-802D1816ACF0}" type="slidenum">
               <a:rPr lang="ko-KR" altLang="en-US" smtClean="0"/>
-              <a:t>15</a:t>
+              <a:t>17</a:t>
             </a:fld>
             <a:endParaRPr lang="ko-KR" altLang="en-US"/>
           </a:p>
@@ -7283,45 +7757,8 @@
         </p:blipFill>
         <p:spPr>
           <a:xfrm>
-            <a:off x="563272" y="1484784"/>
-            <a:ext cx="4461736" cy="2084924"/>
-          </a:xfrm>
-          <a:prstGeom prst="rect">
-            <a:avLst/>
-          </a:prstGeom>
-          <a:ln>
-            <a:solidFill>
-              <a:schemeClr val="bg1">
-                <a:lumMod val="85000"/>
-              </a:schemeClr>
-            </a:solidFill>
-          </a:ln>
-        </p:spPr>
-      </p:pic>
-      <p:pic>
-        <p:nvPicPr>
-          <p:cNvPr id="7" name="그림 6"/>
-          <p:cNvPicPr>
-            <a:picLocks noChangeAspect="1"/>
-          </p:cNvPicPr>
-          <p:nvPr/>
-        </p:nvPicPr>
-        <p:blipFill>
-          <a:blip r:embed="rId3">
-            <a:extLst>
-              <a:ext uri="{28A0092B-C50C-407E-A947-70E740481C1C}">
-                <a14:useLocalDpi xmlns:a14="http://schemas.microsoft.com/office/drawing/2010/main" val="0"/>
-              </a:ext>
-            </a:extLst>
-          </a:blip>
-          <a:stretch>
-            <a:fillRect/>
-          </a:stretch>
-        </p:blipFill>
-        <p:spPr>
-          <a:xfrm>
-            <a:off x="4592960" y="2527246"/>
-            <a:ext cx="4938974" cy="3366175"/>
+            <a:off x="1352600" y="1556792"/>
+            <a:ext cx="5239300" cy="2448272"/>
           </a:xfrm>
           <a:prstGeom prst="rect">
             <a:avLst/>
@@ -7355,7 +7792,7 @@
 </p:sld>
 </file>
 
-<file path=ppt/slides/slide16.xml><?xml version="1.0" encoding="utf-8"?>
+<file path=ppt/slides/slide18.xml><?xml version="1.0" encoding="utf-8"?>
 <p:sld xmlns:a="http://schemas.openxmlformats.org/drawingml/2006/main" xmlns:r="http://schemas.openxmlformats.org/officeDocument/2006/relationships" xmlns:p="http://schemas.openxmlformats.org/presentationml/2006/main">
   <p:cSld>
     <p:spTree>
@@ -7421,7 +7858,136 @@
           <a:p>
             <a:fld id="{1BDE3FE7-3AEA-4B05-AC5A-802D1816ACF0}" type="slidenum">
               <a:rPr lang="ko-KR" altLang="en-US" smtClean="0"/>
-              <a:t>16</a:t>
+              <a:t>18</a:t>
+            </a:fld>
+            <a:endParaRPr lang="ko-KR" altLang="en-US"/>
+          </a:p>
+        </p:txBody>
+      </p:sp>
+      <p:pic>
+        <p:nvPicPr>
+          <p:cNvPr id="7" name="그림 6"/>
+          <p:cNvPicPr>
+            <a:picLocks noChangeAspect="1"/>
+          </p:cNvPicPr>
+          <p:nvPr/>
+        </p:nvPicPr>
+        <p:blipFill>
+          <a:blip r:embed="rId2">
+            <a:extLst>
+              <a:ext uri="{28A0092B-C50C-407E-A947-70E740481C1C}">
+                <a14:useLocalDpi xmlns:a14="http://schemas.microsoft.com/office/drawing/2010/main" val="0"/>
+              </a:ext>
+            </a:extLst>
+          </a:blip>
+          <a:stretch>
+            <a:fillRect/>
+          </a:stretch>
+        </p:blipFill>
+        <p:spPr>
+          <a:xfrm>
+            <a:off x="1424608" y="1556792"/>
+            <a:ext cx="5599596" cy="3816424"/>
+          </a:xfrm>
+          <a:prstGeom prst="rect">
+            <a:avLst/>
+          </a:prstGeom>
+          <a:ln>
+            <a:solidFill>
+              <a:schemeClr val="bg1">
+                <a:lumMod val="85000"/>
+              </a:schemeClr>
+            </a:solidFill>
+          </a:ln>
+        </p:spPr>
+      </p:pic>
+    </p:spTree>
+    <p:extLst>
+      <p:ext uri="{BB962C8B-B14F-4D97-AF65-F5344CB8AC3E}">
+        <p14:creationId xmlns:p14="http://schemas.microsoft.com/office/powerpoint/2010/main" val="1200809984"/>
+      </p:ext>
+    </p:extLst>
+  </p:cSld>
+  <p:clrMapOvr>
+    <a:masterClrMapping/>
+  </p:clrMapOvr>
+  <p:timing>
+    <p:tnLst>
+      <p:par>
+        <p:cTn id="1" dur="indefinite" restart="never" nodeType="tmRoot"/>
+      </p:par>
+    </p:tnLst>
+  </p:timing>
+</p:sld>
+</file>
+
+<file path=ppt/slides/slide19.xml><?xml version="1.0" encoding="utf-8"?>
+<p:sld xmlns:a="http://schemas.openxmlformats.org/drawingml/2006/main" xmlns:r="http://schemas.openxmlformats.org/officeDocument/2006/relationships" xmlns:p="http://schemas.openxmlformats.org/presentationml/2006/main">
+  <p:cSld>
+    <p:spTree>
+      <p:nvGrpSpPr>
+        <p:cNvPr id="1" name=""/>
+        <p:cNvGrpSpPr/>
+        <p:nvPr/>
+      </p:nvGrpSpPr>
+      <p:grpSpPr>
+        <a:xfrm>
+          <a:off x="0" y="0"/>
+          <a:ext cx="0" cy="0"/>
+          <a:chOff x="0" y="0"/>
+          <a:chExt cx="0" cy="0"/>
+        </a:xfrm>
+      </p:grpSpPr>
+      <p:sp>
+        <p:nvSpPr>
+          <p:cNvPr id="6" name="제목 5"/>
+          <p:cNvSpPr>
+            <a:spLocks noGrp="1"/>
+          </p:cNvSpPr>
+          <p:nvPr>
+            <p:ph type="title"/>
+          </p:nvPr>
+        </p:nvSpPr>
+        <p:spPr/>
+        <p:txBody>
+          <a:bodyPr/>
+          <a:lstStyle/>
+          <a:p>
+            <a:r>
+              <a:rPr lang="en-US" altLang="ko-KR" dirty="0" smtClean="0"/>
+              <a:t> </a:t>
+            </a:r>
+            <a:r>
+              <a:rPr lang="ko-KR" altLang="en-US" dirty="0" smtClean="0"/>
+              <a:t>추상클래스 실습</a:t>
+            </a:r>
+            <a:endParaRPr lang="ko-KR" altLang="en-US" dirty="0"/>
+          </a:p>
+        </p:txBody>
+      </p:sp>
+      <p:sp>
+        <p:nvSpPr>
+          <p:cNvPr id="5" name="슬라이드 번호 개체 틀 4"/>
+          <p:cNvSpPr>
+            <a:spLocks noGrp="1"/>
+          </p:cNvSpPr>
+          <p:nvPr>
+            <p:ph type="sldNum" sz="quarter" idx="12"/>
+          </p:nvPr>
+        </p:nvSpPr>
+        <p:spPr>
+          <a:xfrm>
+            <a:off x="8853433" y="7312347"/>
+            <a:ext cx="557267" cy="365125"/>
+          </a:xfrm>
+        </p:spPr>
+        <p:txBody>
+          <a:bodyPr/>
+          <a:lstStyle/>
+          <a:p>
+            <a:fld id="{1BDE3FE7-3AEA-4B05-AC5A-802D1816ACF0}" type="slidenum">
+              <a:rPr lang="ko-KR" altLang="en-US" smtClean="0"/>
+              <a:t>19</a:t>
             </a:fld>
             <a:endParaRPr lang="ko-KR" altLang="en-US"/>
           </a:p>
@@ -7485,7 +8051,7 @@
 </p:sld>
 </file>
 
-<file path=ppt/slides/slide17.xml><?xml version="1.0" encoding="utf-8"?>
+<file path=ppt/slides/slide2.xml><?xml version="1.0" encoding="utf-8"?>
 <p:sld xmlns:a="http://schemas.openxmlformats.org/drawingml/2006/main" xmlns:r="http://schemas.openxmlformats.org/officeDocument/2006/relationships" xmlns:p="http://schemas.openxmlformats.org/presentationml/2006/main">
   <p:cSld>
     <p:spTree>
@@ -7523,7 +8089,11 @@
             </a:r>
             <a:r>
               <a:rPr lang="ko-KR" altLang="en-US" dirty="0" smtClean="0"/>
-              <a:t>추상클래스 실습</a:t>
+              <a:t>추상 클래스</a:t>
+            </a:r>
+            <a:r>
+              <a:rPr lang="en-US" altLang="ko-KR" dirty="0" smtClean="0"/>
+              <a:t>(abstract class)</a:t>
             </a:r>
             <a:endParaRPr lang="ko-KR" altLang="en-US" dirty="0"/>
           </a:p>
@@ -7551,7 +8121,882 @@
           <a:p>
             <a:fld id="{1BDE3FE7-3AEA-4B05-AC5A-802D1816ACF0}" type="slidenum">
               <a:rPr lang="ko-KR" altLang="en-US" smtClean="0"/>
-              <a:t>17</a:t>
+              <a:t>2</a:t>
+            </a:fld>
+            <a:endParaRPr lang="ko-KR" altLang="en-US"/>
+          </a:p>
+        </p:txBody>
+      </p:sp>
+      <p:sp>
+        <p:nvSpPr>
+          <p:cNvPr id="10" name="내용 개체 틀 2">
+            <a:extLst>
+              <a:ext uri="{FF2B5EF4-FFF2-40B4-BE49-F238E27FC236}">
+                <a16:creationId xmlns:a16="http://schemas.microsoft.com/office/drawing/2014/main" id="{98AF3A4E-7D90-4241-89FE-799D6F9D5A94}"/>
+              </a:ext>
+            </a:extLst>
+          </p:cNvPr>
+          <p:cNvSpPr txBox="1">
+            <a:spLocks/>
+          </p:cNvSpPr>
+          <p:nvPr/>
+        </p:nvSpPr>
+        <p:spPr>
+          <a:xfrm>
+            <a:off x="732057" y="963739"/>
+            <a:ext cx="1700663" cy="521045"/>
+          </a:xfrm>
+          <a:prstGeom prst="rect">
+            <a:avLst/>
+          </a:prstGeom>
+        </p:spPr>
+        <p:txBody>
+          <a:bodyPr/>
+          <a:lstStyle>
+            <a:lvl1pPr marL="228600" indent="-228600" algn="l" defTabSz="914400" rtl="0" eaLnBrk="1" latinLnBrk="1" hangingPunct="1">
+              <a:lnSpc>
+                <a:spcPct val="90000"/>
+              </a:lnSpc>
+              <a:spcBef>
+                <a:spcPts val="1000"/>
+              </a:spcBef>
+              <a:buFont typeface="Arial" panose="020B0604020202020204" pitchFamily="34" charset="0"/>
+              <a:buChar char="•"/>
+              <a:defRPr sz="2800" kern="1200">
+                <a:solidFill>
+                  <a:schemeClr val="tx1"/>
+                </a:solidFill>
+                <a:latin typeface="+mn-lt"/>
+                <a:ea typeface="+mn-ea"/>
+                <a:cs typeface="+mn-cs"/>
+              </a:defRPr>
+            </a:lvl1pPr>
+            <a:lvl2pPr marL="685800" indent="-228600" algn="l" defTabSz="914400" rtl="0" eaLnBrk="1" latinLnBrk="1" hangingPunct="1">
+              <a:lnSpc>
+                <a:spcPct val="90000"/>
+              </a:lnSpc>
+              <a:spcBef>
+                <a:spcPts val="500"/>
+              </a:spcBef>
+              <a:buFont typeface="Arial" panose="020B0604020202020204" pitchFamily="34" charset="0"/>
+              <a:buChar char="•"/>
+              <a:defRPr sz="2400" kern="1200">
+                <a:solidFill>
+                  <a:schemeClr val="tx1"/>
+                </a:solidFill>
+                <a:latin typeface="+mn-lt"/>
+                <a:ea typeface="+mn-ea"/>
+                <a:cs typeface="+mn-cs"/>
+              </a:defRPr>
+            </a:lvl2pPr>
+            <a:lvl3pPr marL="1143000" indent="-228600" algn="l" defTabSz="914400" rtl="0" eaLnBrk="1" latinLnBrk="1" hangingPunct="1">
+              <a:lnSpc>
+                <a:spcPct val="90000"/>
+              </a:lnSpc>
+              <a:spcBef>
+                <a:spcPts val="500"/>
+              </a:spcBef>
+              <a:buFont typeface="Arial" panose="020B0604020202020204" pitchFamily="34" charset="0"/>
+              <a:buChar char="•"/>
+              <a:defRPr sz="2000" kern="1200">
+                <a:solidFill>
+                  <a:schemeClr val="tx1"/>
+                </a:solidFill>
+                <a:latin typeface="+mn-lt"/>
+                <a:ea typeface="+mn-ea"/>
+                <a:cs typeface="+mn-cs"/>
+              </a:defRPr>
+            </a:lvl3pPr>
+            <a:lvl4pPr marL="1600200" indent="-228600" algn="l" defTabSz="914400" rtl="0" eaLnBrk="1" latinLnBrk="1" hangingPunct="1">
+              <a:lnSpc>
+                <a:spcPct val="90000"/>
+              </a:lnSpc>
+              <a:spcBef>
+                <a:spcPts val="500"/>
+              </a:spcBef>
+              <a:buFont typeface="Arial" panose="020B0604020202020204" pitchFamily="34" charset="0"/>
+              <a:buChar char="•"/>
+              <a:defRPr sz="1800" kern="1200">
+                <a:solidFill>
+                  <a:schemeClr val="tx1"/>
+                </a:solidFill>
+                <a:latin typeface="+mn-lt"/>
+                <a:ea typeface="+mn-ea"/>
+                <a:cs typeface="+mn-cs"/>
+              </a:defRPr>
+            </a:lvl4pPr>
+            <a:lvl5pPr marL="2057400" indent="-228600" algn="l" defTabSz="914400" rtl="0" eaLnBrk="1" latinLnBrk="1" hangingPunct="1">
+              <a:lnSpc>
+                <a:spcPct val="90000"/>
+              </a:lnSpc>
+              <a:spcBef>
+                <a:spcPts val="500"/>
+              </a:spcBef>
+              <a:buFont typeface="Arial" panose="020B0604020202020204" pitchFamily="34" charset="0"/>
+              <a:buChar char="•"/>
+              <a:defRPr sz="1800" kern="1200">
+                <a:solidFill>
+                  <a:schemeClr val="tx1"/>
+                </a:solidFill>
+                <a:latin typeface="+mn-lt"/>
+                <a:ea typeface="+mn-ea"/>
+                <a:cs typeface="+mn-cs"/>
+              </a:defRPr>
+            </a:lvl5pPr>
+            <a:lvl6pPr marL="2514600" indent="-228600" algn="l" defTabSz="914400" rtl="0" eaLnBrk="1" latinLnBrk="1" hangingPunct="1">
+              <a:lnSpc>
+                <a:spcPct val="90000"/>
+              </a:lnSpc>
+              <a:spcBef>
+                <a:spcPts val="500"/>
+              </a:spcBef>
+              <a:buFont typeface="Arial" panose="020B0604020202020204" pitchFamily="34" charset="0"/>
+              <a:buChar char="•"/>
+              <a:defRPr sz="1800" kern="1200">
+                <a:solidFill>
+                  <a:schemeClr val="tx1"/>
+                </a:solidFill>
+                <a:latin typeface="+mn-lt"/>
+                <a:ea typeface="+mn-ea"/>
+                <a:cs typeface="+mn-cs"/>
+              </a:defRPr>
+            </a:lvl6pPr>
+            <a:lvl7pPr marL="2971800" indent="-228600" algn="l" defTabSz="914400" rtl="0" eaLnBrk="1" latinLnBrk="1" hangingPunct="1">
+              <a:lnSpc>
+                <a:spcPct val="90000"/>
+              </a:lnSpc>
+              <a:spcBef>
+                <a:spcPts val="500"/>
+              </a:spcBef>
+              <a:buFont typeface="Arial" panose="020B0604020202020204" pitchFamily="34" charset="0"/>
+              <a:buChar char="•"/>
+              <a:defRPr sz="1800" kern="1200">
+                <a:solidFill>
+                  <a:schemeClr val="tx1"/>
+                </a:solidFill>
+                <a:latin typeface="+mn-lt"/>
+                <a:ea typeface="+mn-ea"/>
+                <a:cs typeface="+mn-cs"/>
+              </a:defRPr>
+            </a:lvl7pPr>
+            <a:lvl8pPr marL="3429000" indent="-228600" algn="l" defTabSz="914400" rtl="0" eaLnBrk="1" latinLnBrk="1" hangingPunct="1">
+              <a:lnSpc>
+                <a:spcPct val="90000"/>
+              </a:lnSpc>
+              <a:spcBef>
+                <a:spcPts val="500"/>
+              </a:spcBef>
+              <a:buFont typeface="Arial" panose="020B0604020202020204" pitchFamily="34" charset="0"/>
+              <a:buChar char="•"/>
+              <a:defRPr sz="1800" kern="1200">
+                <a:solidFill>
+                  <a:schemeClr val="tx1"/>
+                </a:solidFill>
+                <a:latin typeface="+mn-lt"/>
+                <a:ea typeface="+mn-ea"/>
+                <a:cs typeface="+mn-cs"/>
+              </a:defRPr>
+            </a:lvl8pPr>
+            <a:lvl9pPr marL="3886200" indent="-228600" algn="l" defTabSz="914400" rtl="0" eaLnBrk="1" latinLnBrk="1" hangingPunct="1">
+              <a:lnSpc>
+                <a:spcPct val="90000"/>
+              </a:lnSpc>
+              <a:spcBef>
+                <a:spcPts val="500"/>
+              </a:spcBef>
+              <a:buFont typeface="Arial" panose="020B0604020202020204" pitchFamily="34" charset="0"/>
+              <a:buChar char="•"/>
+              <a:defRPr sz="1800" kern="1200">
+                <a:solidFill>
+                  <a:schemeClr val="tx1"/>
+                </a:solidFill>
+                <a:latin typeface="+mn-lt"/>
+                <a:ea typeface="+mn-ea"/>
+                <a:cs typeface="+mn-cs"/>
+              </a:defRPr>
+            </a:lvl9pPr>
+          </a:lstStyle>
+          <a:p>
+            <a:pPr marL="0" indent="0">
+              <a:lnSpc>
+                <a:spcPct val="150000"/>
+              </a:lnSpc>
+              <a:buNone/>
+            </a:pPr>
+            <a:r>
+              <a:rPr lang="ko-KR" altLang="en-US" sz="2000" b="1" dirty="0" smtClean="0">
+                <a:solidFill>
+                  <a:srgbClr val="C00000"/>
+                </a:solidFill>
+              </a:rPr>
+              <a:t>추상 클래스</a:t>
+            </a:r>
+            <a:endParaRPr lang="en-US" altLang="ko-KR" sz="2000" b="1" dirty="0" smtClean="0">
+              <a:solidFill>
+                <a:srgbClr val="C00000"/>
+              </a:solidFill>
+            </a:endParaRPr>
+          </a:p>
+        </p:txBody>
+      </p:sp>
+      <p:sp>
+        <p:nvSpPr>
+          <p:cNvPr id="3" name="TextBox 2"/>
+          <p:cNvSpPr txBox="1"/>
+          <p:nvPr/>
+        </p:nvSpPr>
+        <p:spPr>
+          <a:xfrm>
+            <a:off x="920552" y="1556792"/>
+            <a:ext cx="8208912" cy="3046988"/>
+          </a:xfrm>
+          <a:prstGeom prst="rect">
+            <a:avLst/>
+          </a:prstGeom>
+          <a:noFill/>
+        </p:spPr>
+        <p:txBody>
+          <a:bodyPr wrap="square" rtlCol="0">
+            <a:spAutoFit/>
+          </a:bodyPr>
+          <a:lstStyle/>
+          <a:p>
+            <a:r>
+              <a:rPr lang="ko-KR" altLang="en-US" sz="1600" dirty="0" smtClean="0"/>
+              <a:t>객체를 직접 생성할 수 있는 클래스를 실체 클래스라고 한다면 이 클래스들의 공통적인 특성을 추출해서 선언한 클래스를 추상 클래스라 한다</a:t>
+            </a:r>
+            <a:r>
+              <a:rPr lang="en-US" altLang="ko-KR" sz="1600" dirty="0" smtClean="0"/>
+              <a:t>.</a:t>
+            </a:r>
+          </a:p>
+          <a:p>
+            <a:endParaRPr lang="en-US" altLang="ko-KR" sz="1600" dirty="0"/>
+          </a:p>
+          <a:p>
+            <a:r>
+              <a:rPr lang="ko-KR" altLang="en-US" sz="1600" dirty="0" smtClean="0"/>
+              <a:t>추상클래스와 실체 클래스는 상속 관계를 구성한다</a:t>
+            </a:r>
+            <a:r>
+              <a:rPr lang="en-US" altLang="ko-KR" sz="1600" dirty="0" smtClean="0"/>
+              <a:t>.</a:t>
+            </a:r>
+          </a:p>
+          <a:p>
+            <a:r>
+              <a:rPr lang="ko-KR" altLang="en-US" sz="1600" dirty="0" smtClean="0"/>
+              <a:t>왜 추상클래스를 사용하는가</a:t>
+            </a:r>
+            <a:r>
+              <a:rPr lang="en-US" altLang="ko-KR" sz="1600" dirty="0" smtClean="0"/>
+              <a:t>?</a:t>
+            </a:r>
+          </a:p>
+          <a:p>
+            <a:r>
+              <a:rPr lang="ko-KR" altLang="en-US" sz="1600" b="1" dirty="0" smtClean="0">
+                <a:solidFill>
+                  <a:srgbClr val="C00000"/>
+                </a:solidFill>
+              </a:rPr>
+              <a:t>실체 클래스의 필드와 </a:t>
+            </a:r>
+            <a:r>
+              <a:rPr lang="ko-KR" altLang="en-US" sz="1600" b="1" dirty="0" err="1" smtClean="0">
+                <a:solidFill>
+                  <a:srgbClr val="C00000"/>
+                </a:solidFill>
+              </a:rPr>
+              <a:t>메서드의</a:t>
+            </a:r>
+            <a:r>
+              <a:rPr lang="ko-KR" altLang="en-US" sz="1600" b="1" dirty="0" smtClean="0">
+                <a:solidFill>
+                  <a:srgbClr val="C00000"/>
+                </a:solidFill>
+              </a:rPr>
+              <a:t> 이름을 통일할 목적</a:t>
+            </a:r>
+            <a:r>
+              <a:rPr lang="ko-KR" altLang="en-US" sz="1600" dirty="0" smtClean="0"/>
+              <a:t>으로 사용한다</a:t>
+            </a:r>
+            <a:r>
+              <a:rPr lang="en-US" altLang="ko-KR" sz="1600" dirty="0" smtClean="0"/>
+              <a:t>.</a:t>
+            </a:r>
+          </a:p>
+          <a:p>
+            <a:endParaRPr lang="en-US" altLang="ko-KR" sz="1600" dirty="0"/>
+          </a:p>
+          <a:p>
+            <a:r>
+              <a:rPr lang="en-US" altLang="ko-KR" sz="1600" dirty="0" err="1" smtClean="0"/>
+              <a:t>TelePhone</a:t>
+            </a:r>
+            <a:r>
+              <a:rPr lang="en-US" altLang="ko-KR" sz="1600" dirty="0" smtClean="0"/>
+              <a:t> </a:t>
+            </a:r>
+            <a:r>
+              <a:rPr lang="ko-KR" altLang="en-US" sz="1600" dirty="0" smtClean="0"/>
+              <a:t>클래스 </a:t>
+            </a:r>
+            <a:r>
+              <a:rPr lang="en-US" altLang="ko-KR" sz="1600" dirty="0" smtClean="0"/>
+              <a:t>– owner(</a:t>
+            </a:r>
+            <a:r>
+              <a:rPr lang="ko-KR" altLang="en-US" sz="1600" dirty="0" smtClean="0"/>
+              <a:t>소유자</a:t>
+            </a:r>
+            <a:r>
+              <a:rPr lang="en-US" altLang="ko-KR" sz="1600" dirty="0" smtClean="0"/>
+              <a:t>),  </a:t>
+            </a:r>
+            <a:r>
+              <a:rPr lang="en-US" altLang="ko-KR" sz="1600" dirty="0" err="1" smtClean="0"/>
+              <a:t>powerOn</a:t>
+            </a:r>
+            <a:r>
+              <a:rPr lang="en-US" altLang="ko-KR" sz="1600" dirty="0" smtClean="0"/>
+              <a:t>() - </a:t>
+            </a:r>
+            <a:r>
+              <a:rPr lang="ko-KR" altLang="en-US" sz="1600" dirty="0" smtClean="0"/>
+              <a:t>전원을 켜다</a:t>
+            </a:r>
+            <a:endParaRPr lang="en-US" altLang="ko-KR" sz="1600" dirty="0" smtClean="0"/>
+          </a:p>
+          <a:p>
+            <a:r>
+              <a:rPr lang="en-US" altLang="ko-KR" sz="1600" dirty="0" err="1" smtClean="0"/>
+              <a:t>SmartPhone</a:t>
+            </a:r>
+            <a:r>
+              <a:rPr lang="en-US" altLang="ko-KR" sz="1600" dirty="0" smtClean="0"/>
+              <a:t> </a:t>
+            </a:r>
+            <a:r>
+              <a:rPr lang="ko-KR" altLang="en-US" sz="1600" dirty="0" smtClean="0"/>
+              <a:t>클래스 </a:t>
+            </a:r>
+            <a:r>
+              <a:rPr lang="en-US" altLang="ko-KR" sz="1600" dirty="0" smtClean="0"/>
+              <a:t>– user(</a:t>
+            </a:r>
+            <a:r>
+              <a:rPr lang="ko-KR" altLang="en-US" sz="1600" dirty="0" smtClean="0"/>
+              <a:t>소유자</a:t>
+            </a:r>
+            <a:r>
+              <a:rPr lang="en-US" altLang="ko-KR" sz="1600" dirty="0" smtClean="0"/>
+              <a:t>), </a:t>
+            </a:r>
+            <a:r>
+              <a:rPr lang="en-US" altLang="ko-KR" sz="1600" dirty="0" err="1" smtClean="0"/>
+              <a:t>trunOn</a:t>
+            </a:r>
+            <a:r>
+              <a:rPr lang="en-US" altLang="ko-KR" sz="1600" dirty="0" smtClean="0"/>
+              <a:t>() – </a:t>
+            </a:r>
+            <a:r>
+              <a:rPr lang="ko-KR" altLang="en-US" sz="1600" dirty="0" smtClean="0"/>
+              <a:t>전원을 켜다</a:t>
+            </a:r>
+            <a:endParaRPr lang="en-US" altLang="ko-KR" sz="1600" dirty="0" smtClean="0"/>
+          </a:p>
+          <a:p>
+            <a:endParaRPr lang="en-US" altLang="ko-KR" sz="1600" dirty="0"/>
+          </a:p>
+          <a:p>
+            <a:r>
+              <a:rPr lang="ko-KR" altLang="en-US" sz="1600" dirty="0" smtClean="0"/>
+              <a:t>추상클래스 사용</a:t>
+            </a:r>
+            <a:endParaRPr lang="en-US" altLang="ko-KR" sz="1600" dirty="0" smtClean="0"/>
+          </a:p>
+          <a:p>
+            <a:r>
+              <a:rPr lang="en-US" altLang="ko-KR" sz="1600" dirty="0" smtClean="0"/>
+              <a:t>Phone – user, </a:t>
+            </a:r>
+            <a:r>
+              <a:rPr lang="en-US" altLang="ko-KR" sz="1600" dirty="0" err="1" smtClean="0"/>
+              <a:t>powerOn</a:t>
+            </a:r>
+            <a:r>
+              <a:rPr lang="en-US" altLang="ko-KR" sz="1600" dirty="0" smtClean="0"/>
+              <a:t>() -&gt; </a:t>
+            </a:r>
+            <a:r>
+              <a:rPr lang="en-US" altLang="ko-KR" sz="1600" dirty="0" err="1" smtClean="0"/>
+              <a:t>TelePhone</a:t>
+            </a:r>
+            <a:r>
+              <a:rPr lang="en-US" altLang="ko-KR" sz="1600" dirty="0" smtClean="0"/>
+              <a:t>, </a:t>
+            </a:r>
+            <a:r>
+              <a:rPr lang="en-US" altLang="ko-KR" sz="1600" dirty="0" err="1" smtClean="0"/>
+              <a:t>SmartPhone</a:t>
+            </a:r>
+            <a:r>
+              <a:rPr lang="ko-KR" altLang="en-US" sz="1600" dirty="0" smtClean="0"/>
+              <a:t>이 상속 받음</a:t>
+            </a:r>
+            <a:endParaRPr lang="ko-KR" altLang="en-US" sz="1600" dirty="0"/>
+          </a:p>
+        </p:txBody>
+      </p:sp>
+      <p:sp>
+        <p:nvSpPr>
+          <p:cNvPr id="20" name="내용 개체 틀 2">
+            <a:extLst>
+              <a:ext uri="{FF2B5EF4-FFF2-40B4-BE49-F238E27FC236}">
+                <a16:creationId xmlns:a16="http://schemas.microsoft.com/office/drawing/2014/main" id="{98AF3A4E-7D90-4241-89FE-799D6F9D5A94}"/>
+              </a:ext>
+            </a:extLst>
+          </p:cNvPr>
+          <p:cNvSpPr txBox="1">
+            <a:spLocks/>
+          </p:cNvSpPr>
+          <p:nvPr/>
+        </p:nvSpPr>
+        <p:spPr>
+          <a:xfrm>
+            <a:off x="732057" y="4725144"/>
+            <a:ext cx="2276727" cy="521045"/>
+          </a:xfrm>
+          <a:prstGeom prst="rect">
+            <a:avLst/>
+          </a:prstGeom>
+        </p:spPr>
+        <p:txBody>
+          <a:bodyPr/>
+          <a:lstStyle>
+            <a:lvl1pPr marL="228600" indent="-228600" algn="l" defTabSz="914400" rtl="0" eaLnBrk="1" latinLnBrk="1" hangingPunct="1">
+              <a:lnSpc>
+                <a:spcPct val="90000"/>
+              </a:lnSpc>
+              <a:spcBef>
+                <a:spcPts val="1000"/>
+              </a:spcBef>
+              <a:buFont typeface="Arial" panose="020B0604020202020204" pitchFamily="34" charset="0"/>
+              <a:buChar char="•"/>
+              <a:defRPr sz="2800" kern="1200">
+                <a:solidFill>
+                  <a:schemeClr val="tx1"/>
+                </a:solidFill>
+                <a:latin typeface="+mn-lt"/>
+                <a:ea typeface="+mn-ea"/>
+                <a:cs typeface="+mn-cs"/>
+              </a:defRPr>
+            </a:lvl1pPr>
+            <a:lvl2pPr marL="685800" indent="-228600" algn="l" defTabSz="914400" rtl="0" eaLnBrk="1" latinLnBrk="1" hangingPunct="1">
+              <a:lnSpc>
+                <a:spcPct val="90000"/>
+              </a:lnSpc>
+              <a:spcBef>
+                <a:spcPts val="500"/>
+              </a:spcBef>
+              <a:buFont typeface="Arial" panose="020B0604020202020204" pitchFamily="34" charset="0"/>
+              <a:buChar char="•"/>
+              <a:defRPr sz="2400" kern="1200">
+                <a:solidFill>
+                  <a:schemeClr val="tx1"/>
+                </a:solidFill>
+                <a:latin typeface="+mn-lt"/>
+                <a:ea typeface="+mn-ea"/>
+                <a:cs typeface="+mn-cs"/>
+              </a:defRPr>
+            </a:lvl2pPr>
+            <a:lvl3pPr marL="1143000" indent="-228600" algn="l" defTabSz="914400" rtl="0" eaLnBrk="1" latinLnBrk="1" hangingPunct="1">
+              <a:lnSpc>
+                <a:spcPct val="90000"/>
+              </a:lnSpc>
+              <a:spcBef>
+                <a:spcPts val="500"/>
+              </a:spcBef>
+              <a:buFont typeface="Arial" panose="020B0604020202020204" pitchFamily="34" charset="0"/>
+              <a:buChar char="•"/>
+              <a:defRPr sz="2000" kern="1200">
+                <a:solidFill>
+                  <a:schemeClr val="tx1"/>
+                </a:solidFill>
+                <a:latin typeface="+mn-lt"/>
+                <a:ea typeface="+mn-ea"/>
+                <a:cs typeface="+mn-cs"/>
+              </a:defRPr>
+            </a:lvl3pPr>
+            <a:lvl4pPr marL="1600200" indent="-228600" algn="l" defTabSz="914400" rtl="0" eaLnBrk="1" latinLnBrk="1" hangingPunct="1">
+              <a:lnSpc>
+                <a:spcPct val="90000"/>
+              </a:lnSpc>
+              <a:spcBef>
+                <a:spcPts val="500"/>
+              </a:spcBef>
+              <a:buFont typeface="Arial" panose="020B0604020202020204" pitchFamily="34" charset="0"/>
+              <a:buChar char="•"/>
+              <a:defRPr sz="1800" kern="1200">
+                <a:solidFill>
+                  <a:schemeClr val="tx1"/>
+                </a:solidFill>
+                <a:latin typeface="+mn-lt"/>
+                <a:ea typeface="+mn-ea"/>
+                <a:cs typeface="+mn-cs"/>
+              </a:defRPr>
+            </a:lvl4pPr>
+            <a:lvl5pPr marL="2057400" indent="-228600" algn="l" defTabSz="914400" rtl="0" eaLnBrk="1" latinLnBrk="1" hangingPunct="1">
+              <a:lnSpc>
+                <a:spcPct val="90000"/>
+              </a:lnSpc>
+              <a:spcBef>
+                <a:spcPts val="500"/>
+              </a:spcBef>
+              <a:buFont typeface="Arial" panose="020B0604020202020204" pitchFamily="34" charset="0"/>
+              <a:buChar char="•"/>
+              <a:defRPr sz="1800" kern="1200">
+                <a:solidFill>
+                  <a:schemeClr val="tx1"/>
+                </a:solidFill>
+                <a:latin typeface="+mn-lt"/>
+                <a:ea typeface="+mn-ea"/>
+                <a:cs typeface="+mn-cs"/>
+              </a:defRPr>
+            </a:lvl5pPr>
+            <a:lvl6pPr marL="2514600" indent="-228600" algn="l" defTabSz="914400" rtl="0" eaLnBrk="1" latinLnBrk="1" hangingPunct="1">
+              <a:lnSpc>
+                <a:spcPct val="90000"/>
+              </a:lnSpc>
+              <a:spcBef>
+                <a:spcPts val="500"/>
+              </a:spcBef>
+              <a:buFont typeface="Arial" panose="020B0604020202020204" pitchFamily="34" charset="0"/>
+              <a:buChar char="•"/>
+              <a:defRPr sz="1800" kern="1200">
+                <a:solidFill>
+                  <a:schemeClr val="tx1"/>
+                </a:solidFill>
+                <a:latin typeface="+mn-lt"/>
+                <a:ea typeface="+mn-ea"/>
+                <a:cs typeface="+mn-cs"/>
+              </a:defRPr>
+            </a:lvl6pPr>
+            <a:lvl7pPr marL="2971800" indent="-228600" algn="l" defTabSz="914400" rtl="0" eaLnBrk="1" latinLnBrk="1" hangingPunct="1">
+              <a:lnSpc>
+                <a:spcPct val="90000"/>
+              </a:lnSpc>
+              <a:spcBef>
+                <a:spcPts val="500"/>
+              </a:spcBef>
+              <a:buFont typeface="Arial" panose="020B0604020202020204" pitchFamily="34" charset="0"/>
+              <a:buChar char="•"/>
+              <a:defRPr sz="1800" kern="1200">
+                <a:solidFill>
+                  <a:schemeClr val="tx1"/>
+                </a:solidFill>
+                <a:latin typeface="+mn-lt"/>
+                <a:ea typeface="+mn-ea"/>
+                <a:cs typeface="+mn-cs"/>
+              </a:defRPr>
+            </a:lvl7pPr>
+            <a:lvl8pPr marL="3429000" indent="-228600" algn="l" defTabSz="914400" rtl="0" eaLnBrk="1" latinLnBrk="1" hangingPunct="1">
+              <a:lnSpc>
+                <a:spcPct val="90000"/>
+              </a:lnSpc>
+              <a:spcBef>
+                <a:spcPts val="500"/>
+              </a:spcBef>
+              <a:buFont typeface="Arial" panose="020B0604020202020204" pitchFamily="34" charset="0"/>
+              <a:buChar char="•"/>
+              <a:defRPr sz="1800" kern="1200">
+                <a:solidFill>
+                  <a:schemeClr val="tx1"/>
+                </a:solidFill>
+                <a:latin typeface="+mn-lt"/>
+                <a:ea typeface="+mn-ea"/>
+                <a:cs typeface="+mn-cs"/>
+              </a:defRPr>
+            </a:lvl8pPr>
+            <a:lvl9pPr marL="3886200" indent="-228600" algn="l" defTabSz="914400" rtl="0" eaLnBrk="1" latinLnBrk="1" hangingPunct="1">
+              <a:lnSpc>
+                <a:spcPct val="90000"/>
+              </a:lnSpc>
+              <a:spcBef>
+                <a:spcPts val="500"/>
+              </a:spcBef>
+              <a:buFont typeface="Arial" panose="020B0604020202020204" pitchFamily="34" charset="0"/>
+              <a:buChar char="•"/>
+              <a:defRPr sz="1800" kern="1200">
+                <a:solidFill>
+                  <a:schemeClr val="tx1"/>
+                </a:solidFill>
+                <a:latin typeface="+mn-lt"/>
+                <a:ea typeface="+mn-ea"/>
+                <a:cs typeface="+mn-cs"/>
+              </a:defRPr>
+            </a:lvl9pPr>
+          </a:lstStyle>
+          <a:p>
+            <a:pPr marL="0" indent="0">
+              <a:lnSpc>
+                <a:spcPct val="150000"/>
+              </a:lnSpc>
+              <a:buNone/>
+            </a:pPr>
+            <a:r>
+              <a:rPr lang="ko-KR" altLang="en-US" sz="1800" b="1" smtClean="0">
+                <a:solidFill>
+                  <a:srgbClr val="C00000"/>
+                </a:solidFill>
+              </a:rPr>
+              <a:t>추상 클래스의 선언</a:t>
+            </a:r>
+            <a:endParaRPr lang="en-US" altLang="ko-KR" sz="1800" b="1" dirty="0" smtClean="0">
+              <a:solidFill>
+                <a:srgbClr val="C00000"/>
+              </a:solidFill>
+            </a:endParaRPr>
+          </a:p>
+        </p:txBody>
+      </p:sp>
+      <p:sp>
+        <p:nvSpPr>
+          <p:cNvPr id="4" name="TextBox 3"/>
+          <p:cNvSpPr txBox="1"/>
+          <p:nvPr/>
+        </p:nvSpPr>
+        <p:spPr>
+          <a:xfrm>
+            <a:off x="1248966" y="5232447"/>
+            <a:ext cx="4176464" cy="987504"/>
+          </a:xfrm>
+          <a:prstGeom prst="roundRect">
+            <a:avLst/>
+          </a:prstGeom>
+          <a:noFill/>
+          <a:ln>
+            <a:solidFill>
+              <a:schemeClr val="bg1">
+                <a:lumMod val="75000"/>
+              </a:schemeClr>
+            </a:solidFill>
+          </a:ln>
+        </p:spPr>
+        <p:txBody>
+          <a:bodyPr wrap="square" rtlCol="0">
+            <a:spAutoFit/>
+          </a:bodyPr>
+          <a:lstStyle/>
+          <a:p>
+            <a:r>
+              <a:rPr lang="en-US" altLang="ko-KR" dirty="0" smtClean="0"/>
+              <a:t>Public </a:t>
+            </a:r>
+            <a:r>
+              <a:rPr lang="en-US" altLang="ko-KR" b="1" dirty="0" smtClean="0">
+                <a:solidFill>
+                  <a:srgbClr val="C00000"/>
+                </a:solidFill>
+              </a:rPr>
+              <a:t>abstract</a:t>
+            </a:r>
+            <a:r>
+              <a:rPr lang="en-US" altLang="ko-KR" dirty="0" smtClean="0"/>
+              <a:t> class </a:t>
+            </a:r>
+            <a:r>
+              <a:rPr lang="ko-KR" altLang="en-US" dirty="0" smtClean="0"/>
+              <a:t>클래스이름</a:t>
+            </a:r>
+            <a:r>
+              <a:rPr lang="en-US" altLang="ko-KR" dirty="0" smtClean="0"/>
+              <a:t>{</a:t>
+            </a:r>
+          </a:p>
+          <a:p>
+            <a:r>
+              <a:rPr lang="en-US" altLang="ko-KR" sz="1600" dirty="0"/>
+              <a:t> </a:t>
+            </a:r>
+            <a:r>
+              <a:rPr lang="en-US" altLang="ko-KR" sz="1600" dirty="0" smtClean="0"/>
+              <a:t>   </a:t>
+            </a:r>
+            <a:r>
+              <a:rPr lang="en-US" altLang="ko-KR" sz="1600" dirty="0" smtClean="0">
+                <a:solidFill>
+                  <a:schemeClr val="tx1">
+                    <a:lumMod val="50000"/>
+                    <a:lumOff val="50000"/>
+                  </a:schemeClr>
+                </a:solidFill>
+              </a:rPr>
+              <a:t>//</a:t>
+            </a:r>
+            <a:r>
+              <a:rPr lang="ko-KR" altLang="en-US" sz="1600" dirty="0" smtClean="0">
+                <a:solidFill>
+                  <a:schemeClr val="tx1">
+                    <a:lumMod val="50000"/>
+                    <a:lumOff val="50000"/>
+                  </a:schemeClr>
+                </a:solidFill>
+              </a:rPr>
+              <a:t>필드</a:t>
+            </a:r>
+            <a:r>
+              <a:rPr lang="en-US" altLang="ko-KR" sz="1600" dirty="0" smtClean="0">
+                <a:solidFill>
+                  <a:schemeClr val="tx1">
+                    <a:lumMod val="50000"/>
+                    <a:lumOff val="50000"/>
+                  </a:schemeClr>
+                </a:solidFill>
+              </a:rPr>
+              <a:t>, </a:t>
+            </a:r>
+            <a:r>
+              <a:rPr lang="ko-KR" altLang="en-US" sz="1600" dirty="0" err="1" smtClean="0">
+                <a:solidFill>
+                  <a:schemeClr val="tx1">
+                    <a:lumMod val="50000"/>
+                    <a:lumOff val="50000"/>
+                  </a:schemeClr>
+                </a:solidFill>
+              </a:rPr>
+              <a:t>생성자</a:t>
+            </a:r>
+            <a:r>
+              <a:rPr lang="en-US" altLang="ko-KR" sz="1600" dirty="0" smtClean="0">
+                <a:solidFill>
+                  <a:schemeClr val="tx1">
+                    <a:lumMod val="50000"/>
+                    <a:lumOff val="50000"/>
+                  </a:schemeClr>
+                </a:solidFill>
+              </a:rPr>
+              <a:t>, </a:t>
+            </a:r>
+            <a:r>
+              <a:rPr lang="ko-KR" altLang="en-US" sz="1600" dirty="0" err="1" smtClean="0">
+                <a:solidFill>
+                  <a:schemeClr val="tx1">
+                    <a:lumMod val="50000"/>
+                    <a:lumOff val="50000"/>
+                  </a:schemeClr>
+                </a:solidFill>
+              </a:rPr>
+              <a:t>메서드</a:t>
+            </a:r>
+            <a:endParaRPr lang="en-US" altLang="ko-KR" sz="1600" dirty="0">
+              <a:solidFill>
+                <a:schemeClr val="tx1">
+                  <a:lumMod val="50000"/>
+                  <a:lumOff val="50000"/>
+                </a:schemeClr>
+              </a:solidFill>
+            </a:endParaRPr>
+          </a:p>
+          <a:p>
+            <a:r>
+              <a:rPr lang="en-US" altLang="ko-KR" dirty="0" smtClean="0"/>
+              <a:t>}</a:t>
+            </a:r>
+            <a:endParaRPr lang="ko-KR" altLang="en-US" dirty="0"/>
+          </a:p>
+        </p:txBody>
+      </p:sp>
+    </p:spTree>
+    <p:extLst>
+      <p:ext uri="{BB962C8B-B14F-4D97-AF65-F5344CB8AC3E}">
+        <p14:creationId xmlns:p14="http://schemas.microsoft.com/office/powerpoint/2010/main" val="3005246185"/>
+      </p:ext>
+    </p:extLst>
+  </p:cSld>
+  <p:clrMapOvr>
+    <a:masterClrMapping/>
+  </p:clrMapOvr>
+  <p:timing>
+    <p:tnLst>
+      <p:par>
+        <p:cTn id="1" dur="indefinite" restart="never" nodeType="tmRoot"/>
+      </p:par>
+    </p:tnLst>
+  </p:timing>
+</p:sld>
+</file>
+
+<file path=ppt/slides/slide20.xml><?xml version="1.0" encoding="utf-8"?>
+<p:sld xmlns:a="http://schemas.openxmlformats.org/drawingml/2006/main" xmlns:r="http://schemas.openxmlformats.org/officeDocument/2006/relationships" xmlns:p="http://schemas.openxmlformats.org/presentationml/2006/main">
+  <p:cSld>
+    <p:spTree>
+      <p:nvGrpSpPr>
+        <p:cNvPr id="1" name=""/>
+        <p:cNvGrpSpPr/>
+        <p:nvPr/>
+      </p:nvGrpSpPr>
+      <p:grpSpPr>
+        <a:xfrm>
+          <a:off x="0" y="0"/>
+          <a:ext cx="0" cy="0"/>
+          <a:chOff x="0" y="0"/>
+          <a:chExt cx="0" cy="0"/>
+        </a:xfrm>
+      </p:grpSpPr>
+      <p:sp>
+        <p:nvSpPr>
+          <p:cNvPr id="6" name="제목 5"/>
+          <p:cNvSpPr>
+            <a:spLocks noGrp="1"/>
+          </p:cNvSpPr>
+          <p:nvPr>
+            <p:ph type="title"/>
+          </p:nvPr>
+        </p:nvSpPr>
+        <p:spPr/>
+        <p:txBody>
+          <a:bodyPr/>
+          <a:lstStyle/>
+          <a:p>
+            <a:r>
+              <a:rPr lang="en-US" altLang="ko-KR" dirty="0" smtClean="0"/>
+              <a:t> </a:t>
+            </a:r>
+            <a:r>
+              <a:rPr lang="ko-KR" altLang="en-US" dirty="0" smtClean="0"/>
+              <a:t>추상클래스 실습</a:t>
+            </a:r>
+            <a:endParaRPr lang="ko-KR" altLang="en-US" dirty="0"/>
+          </a:p>
+        </p:txBody>
+      </p:sp>
+      <p:sp>
+        <p:nvSpPr>
+          <p:cNvPr id="5" name="슬라이드 번호 개체 틀 4"/>
+          <p:cNvSpPr>
+            <a:spLocks noGrp="1"/>
+          </p:cNvSpPr>
+          <p:nvPr>
+            <p:ph type="sldNum" sz="quarter" idx="12"/>
+          </p:nvPr>
+        </p:nvSpPr>
+        <p:spPr>
+          <a:xfrm>
+            <a:off x="8853433" y="7312347"/>
+            <a:ext cx="557267" cy="365125"/>
+          </a:xfrm>
+        </p:spPr>
+        <p:txBody>
+          <a:bodyPr/>
+          <a:lstStyle/>
+          <a:p>
+            <a:fld id="{1BDE3FE7-3AEA-4B05-AC5A-802D1816ACF0}" type="slidenum">
+              <a:rPr lang="ko-KR" altLang="en-US" smtClean="0"/>
+              <a:t>20</a:t>
             </a:fld>
             <a:endParaRPr lang="ko-KR" altLang="en-US"/>
           </a:p>
@@ -7801,7 +9246,7 @@
         <p:spPr>
           <a:xfrm>
             <a:off x="1712640" y="1772816"/>
-            <a:ext cx="3345470" cy="3436918"/>
+            <a:ext cx="3644786" cy="3744416"/>
           </a:xfrm>
           <a:prstGeom prst="rect">
             <a:avLst/>
@@ -7838,7 +9283,7 @@
         </p:blipFill>
         <p:spPr>
           <a:xfrm>
-            <a:off x="5601072" y="2852936"/>
+            <a:off x="6105128" y="2780928"/>
             <a:ext cx="2095682" cy="1950889"/>
           </a:xfrm>
           <a:prstGeom prst="rect">
@@ -7950,7 +9395,7 @@
 </p:sld>
 </file>
 
-<file path=ppt/slides/slide18.xml><?xml version="1.0" encoding="utf-8"?>
+<file path=ppt/slides/slide21.xml><?xml version="1.0" encoding="utf-8"?>
 <p:sld xmlns:a="http://schemas.openxmlformats.org/drawingml/2006/main" xmlns:r="http://schemas.openxmlformats.org/officeDocument/2006/relationships" xmlns:p="http://schemas.openxmlformats.org/presentationml/2006/main">
   <p:cSld>
     <p:spTree>
@@ -8016,7 +9461,7 @@
           <a:p>
             <a:fld id="{1BDE3FE7-3AEA-4B05-AC5A-802D1816ACF0}" type="slidenum">
               <a:rPr lang="ko-KR" altLang="en-US" smtClean="0"/>
-              <a:t>18</a:t>
+              <a:t>21</a:t>
             </a:fld>
             <a:endParaRPr lang="ko-KR" altLang="en-US"/>
           </a:p>
@@ -8354,7 +9799,7 @@
 </p:sld>
 </file>
 
-<file path=ppt/slides/slide19.xml><?xml version="1.0" encoding="utf-8"?>
+<file path=ppt/slides/slide22.xml><?xml version="1.0" encoding="utf-8"?>
 <p:sld xmlns:a="http://schemas.openxmlformats.org/drawingml/2006/main" xmlns:r="http://schemas.openxmlformats.org/officeDocument/2006/relationships" xmlns:p="http://schemas.openxmlformats.org/presentationml/2006/main">
   <p:cSld>
     <p:spTree>
@@ -8420,7 +9865,7 @@
           <a:p>
             <a:fld id="{1BDE3FE7-3AEA-4B05-AC5A-802D1816ACF0}" type="slidenum">
               <a:rPr lang="ko-KR" altLang="en-US" smtClean="0"/>
-              <a:t>19</a:t>
+              <a:t>22</a:t>
             </a:fld>
             <a:endParaRPr lang="ko-KR" altLang="en-US"/>
           </a:p>
@@ -8701,7 +10146,7 @@
 </p:sld>
 </file>
 
-<file path=ppt/slides/slide2.xml><?xml version="1.0" encoding="utf-8"?>
+<file path=ppt/slides/slide23.xml><?xml version="1.0" encoding="utf-8"?>
 <p:sld xmlns:a="http://schemas.openxmlformats.org/drawingml/2006/main" xmlns:r="http://schemas.openxmlformats.org/officeDocument/2006/relationships" xmlns:p="http://schemas.openxmlformats.org/presentationml/2006/main">
   <p:cSld>
     <p:spTree>
@@ -8735,15 +10180,11 @@
           <a:p>
             <a:r>
               <a:rPr lang="en-US" altLang="ko-KR" dirty="0" smtClean="0"/>
-              <a:t> </a:t>
+              <a:t> final </a:t>
             </a:r>
             <a:r>
               <a:rPr lang="ko-KR" altLang="en-US" dirty="0" smtClean="0"/>
-              <a:t>추상 클래스</a:t>
-            </a:r>
-            <a:r>
-              <a:rPr lang="en-US" altLang="ko-KR" dirty="0" smtClean="0"/>
-              <a:t>(abstract class)</a:t>
+              <a:t>상수</a:t>
             </a:r>
             <a:endParaRPr lang="ko-KR" altLang="en-US" dirty="0"/>
           </a:p>
@@ -8771,866 +10212,7 @@
           <a:p>
             <a:fld id="{1BDE3FE7-3AEA-4B05-AC5A-802D1816ACF0}" type="slidenum">
               <a:rPr lang="ko-KR" altLang="en-US" smtClean="0"/>
-              <a:t>2</a:t>
-            </a:fld>
-            <a:endParaRPr lang="ko-KR" altLang="en-US"/>
-          </a:p>
-        </p:txBody>
-      </p:sp>
-      <p:sp>
-        <p:nvSpPr>
-          <p:cNvPr id="10" name="내용 개체 틀 2">
-            <a:extLst>
-              <a:ext uri="{FF2B5EF4-FFF2-40B4-BE49-F238E27FC236}">
-                <a16:creationId xmlns:a16="http://schemas.microsoft.com/office/drawing/2014/main" id="{98AF3A4E-7D90-4241-89FE-799D6F9D5A94}"/>
-              </a:ext>
-            </a:extLst>
-          </p:cNvPr>
-          <p:cNvSpPr txBox="1">
-            <a:spLocks/>
-          </p:cNvSpPr>
-          <p:nvPr/>
-        </p:nvSpPr>
-        <p:spPr>
-          <a:xfrm>
-            <a:off x="732057" y="963739"/>
-            <a:ext cx="1700663" cy="521045"/>
-          </a:xfrm>
-          <a:prstGeom prst="rect">
-            <a:avLst/>
-          </a:prstGeom>
-        </p:spPr>
-        <p:txBody>
-          <a:bodyPr/>
-          <a:lstStyle>
-            <a:lvl1pPr marL="228600" indent="-228600" algn="l" defTabSz="914400" rtl="0" eaLnBrk="1" latinLnBrk="1" hangingPunct="1">
-              <a:lnSpc>
-                <a:spcPct val="90000"/>
-              </a:lnSpc>
-              <a:spcBef>
-                <a:spcPts val="1000"/>
-              </a:spcBef>
-              <a:buFont typeface="Arial" panose="020B0604020202020204" pitchFamily="34" charset="0"/>
-              <a:buChar char="•"/>
-              <a:defRPr sz="2800" kern="1200">
-                <a:solidFill>
-                  <a:schemeClr val="tx1"/>
-                </a:solidFill>
-                <a:latin typeface="+mn-lt"/>
-                <a:ea typeface="+mn-ea"/>
-                <a:cs typeface="+mn-cs"/>
-              </a:defRPr>
-            </a:lvl1pPr>
-            <a:lvl2pPr marL="685800" indent="-228600" algn="l" defTabSz="914400" rtl="0" eaLnBrk="1" latinLnBrk="1" hangingPunct="1">
-              <a:lnSpc>
-                <a:spcPct val="90000"/>
-              </a:lnSpc>
-              <a:spcBef>
-                <a:spcPts val="500"/>
-              </a:spcBef>
-              <a:buFont typeface="Arial" panose="020B0604020202020204" pitchFamily="34" charset="0"/>
-              <a:buChar char="•"/>
-              <a:defRPr sz="2400" kern="1200">
-                <a:solidFill>
-                  <a:schemeClr val="tx1"/>
-                </a:solidFill>
-                <a:latin typeface="+mn-lt"/>
-                <a:ea typeface="+mn-ea"/>
-                <a:cs typeface="+mn-cs"/>
-              </a:defRPr>
-            </a:lvl2pPr>
-            <a:lvl3pPr marL="1143000" indent="-228600" algn="l" defTabSz="914400" rtl="0" eaLnBrk="1" latinLnBrk="1" hangingPunct="1">
-              <a:lnSpc>
-                <a:spcPct val="90000"/>
-              </a:lnSpc>
-              <a:spcBef>
-                <a:spcPts val="500"/>
-              </a:spcBef>
-              <a:buFont typeface="Arial" panose="020B0604020202020204" pitchFamily="34" charset="0"/>
-              <a:buChar char="•"/>
-              <a:defRPr sz="2000" kern="1200">
-                <a:solidFill>
-                  <a:schemeClr val="tx1"/>
-                </a:solidFill>
-                <a:latin typeface="+mn-lt"/>
-                <a:ea typeface="+mn-ea"/>
-                <a:cs typeface="+mn-cs"/>
-              </a:defRPr>
-            </a:lvl3pPr>
-            <a:lvl4pPr marL="1600200" indent="-228600" algn="l" defTabSz="914400" rtl="0" eaLnBrk="1" latinLnBrk="1" hangingPunct="1">
-              <a:lnSpc>
-                <a:spcPct val="90000"/>
-              </a:lnSpc>
-              <a:spcBef>
-                <a:spcPts val="500"/>
-              </a:spcBef>
-              <a:buFont typeface="Arial" panose="020B0604020202020204" pitchFamily="34" charset="0"/>
-              <a:buChar char="•"/>
-              <a:defRPr sz="1800" kern="1200">
-                <a:solidFill>
-                  <a:schemeClr val="tx1"/>
-                </a:solidFill>
-                <a:latin typeface="+mn-lt"/>
-                <a:ea typeface="+mn-ea"/>
-                <a:cs typeface="+mn-cs"/>
-              </a:defRPr>
-            </a:lvl4pPr>
-            <a:lvl5pPr marL="2057400" indent="-228600" algn="l" defTabSz="914400" rtl="0" eaLnBrk="1" latinLnBrk="1" hangingPunct="1">
-              <a:lnSpc>
-                <a:spcPct val="90000"/>
-              </a:lnSpc>
-              <a:spcBef>
-                <a:spcPts val="500"/>
-              </a:spcBef>
-              <a:buFont typeface="Arial" panose="020B0604020202020204" pitchFamily="34" charset="0"/>
-              <a:buChar char="•"/>
-              <a:defRPr sz="1800" kern="1200">
-                <a:solidFill>
-                  <a:schemeClr val="tx1"/>
-                </a:solidFill>
-                <a:latin typeface="+mn-lt"/>
-                <a:ea typeface="+mn-ea"/>
-                <a:cs typeface="+mn-cs"/>
-              </a:defRPr>
-            </a:lvl5pPr>
-            <a:lvl6pPr marL="2514600" indent="-228600" algn="l" defTabSz="914400" rtl="0" eaLnBrk="1" latinLnBrk="1" hangingPunct="1">
-              <a:lnSpc>
-                <a:spcPct val="90000"/>
-              </a:lnSpc>
-              <a:spcBef>
-                <a:spcPts val="500"/>
-              </a:spcBef>
-              <a:buFont typeface="Arial" panose="020B0604020202020204" pitchFamily="34" charset="0"/>
-              <a:buChar char="•"/>
-              <a:defRPr sz="1800" kern="1200">
-                <a:solidFill>
-                  <a:schemeClr val="tx1"/>
-                </a:solidFill>
-                <a:latin typeface="+mn-lt"/>
-                <a:ea typeface="+mn-ea"/>
-                <a:cs typeface="+mn-cs"/>
-              </a:defRPr>
-            </a:lvl6pPr>
-            <a:lvl7pPr marL="2971800" indent="-228600" algn="l" defTabSz="914400" rtl="0" eaLnBrk="1" latinLnBrk="1" hangingPunct="1">
-              <a:lnSpc>
-                <a:spcPct val="90000"/>
-              </a:lnSpc>
-              <a:spcBef>
-                <a:spcPts val="500"/>
-              </a:spcBef>
-              <a:buFont typeface="Arial" panose="020B0604020202020204" pitchFamily="34" charset="0"/>
-              <a:buChar char="•"/>
-              <a:defRPr sz="1800" kern="1200">
-                <a:solidFill>
-                  <a:schemeClr val="tx1"/>
-                </a:solidFill>
-                <a:latin typeface="+mn-lt"/>
-                <a:ea typeface="+mn-ea"/>
-                <a:cs typeface="+mn-cs"/>
-              </a:defRPr>
-            </a:lvl7pPr>
-            <a:lvl8pPr marL="3429000" indent="-228600" algn="l" defTabSz="914400" rtl="0" eaLnBrk="1" latinLnBrk="1" hangingPunct="1">
-              <a:lnSpc>
-                <a:spcPct val="90000"/>
-              </a:lnSpc>
-              <a:spcBef>
-                <a:spcPts val="500"/>
-              </a:spcBef>
-              <a:buFont typeface="Arial" panose="020B0604020202020204" pitchFamily="34" charset="0"/>
-              <a:buChar char="•"/>
-              <a:defRPr sz="1800" kern="1200">
-                <a:solidFill>
-                  <a:schemeClr val="tx1"/>
-                </a:solidFill>
-                <a:latin typeface="+mn-lt"/>
-                <a:ea typeface="+mn-ea"/>
-                <a:cs typeface="+mn-cs"/>
-              </a:defRPr>
-            </a:lvl8pPr>
-            <a:lvl9pPr marL="3886200" indent="-228600" algn="l" defTabSz="914400" rtl="0" eaLnBrk="1" latinLnBrk="1" hangingPunct="1">
-              <a:lnSpc>
-                <a:spcPct val="90000"/>
-              </a:lnSpc>
-              <a:spcBef>
-                <a:spcPts val="500"/>
-              </a:spcBef>
-              <a:buFont typeface="Arial" panose="020B0604020202020204" pitchFamily="34" charset="0"/>
-              <a:buChar char="•"/>
-              <a:defRPr sz="1800" kern="1200">
-                <a:solidFill>
-                  <a:schemeClr val="tx1"/>
-                </a:solidFill>
-                <a:latin typeface="+mn-lt"/>
-                <a:ea typeface="+mn-ea"/>
-                <a:cs typeface="+mn-cs"/>
-              </a:defRPr>
-            </a:lvl9pPr>
-          </a:lstStyle>
-          <a:p>
-            <a:pPr marL="0" indent="0">
-              <a:lnSpc>
-                <a:spcPct val="150000"/>
-              </a:lnSpc>
-              <a:buNone/>
-            </a:pPr>
-            <a:r>
-              <a:rPr lang="ko-KR" altLang="en-US" sz="2000" b="1" dirty="0" smtClean="0">
-                <a:solidFill>
-                  <a:srgbClr val="C00000"/>
-                </a:solidFill>
-              </a:rPr>
-              <a:t>추상 클래스</a:t>
-            </a:r>
-            <a:endParaRPr lang="en-US" altLang="ko-KR" sz="2000" b="1" dirty="0" smtClean="0">
-              <a:solidFill>
-                <a:srgbClr val="C00000"/>
-              </a:solidFill>
-            </a:endParaRPr>
-          </a:p>
-        </p:txBody>
-      </p:sp>
-      <p:sp>
-        <p:nvSpPr>
-          <p:cNvPr id="3" name="TextBox 2"/>
-          <p:cNvSpPr txBox="1"/>
-          <p:nvPr/>
-        </p:nvSpPr>
-        <p:spPr>
-          <a:xfrm>
-            <a:off x="920552" y="1556792"/>
-            <a:ext cx="8208912" cy="3046988"/>
-          </a:xfrm>
-          <a:prstGeom prst="rect">
-            <a:avLst/>
-          </a:prstGeom>
-          <a:noFill/>
-        </p:spPr>
-        <p:txBody>
-          <a:bodyPr wrap="square" rtlCol="0">
-            <a:spAutoFit/>
-          </a:bodyPr>
-          <a:lstStyle/>
-          <a:p>
-            <a:r>
-              <a:rPr lang="ko-KR" altLang="en-US" sz="1600" dirty="0" smtClean="0"/>
-              <a:t>객체를 직접 생성할 수 있는 클래스를 실체 클래스라고 한다면 이 클래스들의 공통적인 특성을 추출해서 선언한 클래스를 추상 클래스라 한다</a:t>
-            </a:r>
-            <a:r>
-              <a:rPr lang="en-US" altLang="ko-KR" sz="1600" dirty="0" smtClean="0"/>
-              <a:t>.</a:t>
-            </a:r>
-          </a:p>
-          <a:p>
-            <a:endParaRPr lang="en-US" altLang="ko-KR" sz="1600" dirty="0"/>
-          </a:p>
-          <a:p>
-            <a:r>
-              <a:rPr lang="ko-KR" altLang="en-US" sz="1600" dirty="0" smtClean="0"/>
-              <a:t>추상클래스와 실체 클래스는 상속 관계를 구성한다</a:t>
-            </a:r>
-            <a:r>
-              <a:rPr lang="en-US" altLang="ko-KR" sz="1600" dirty="0" smtClean="0"/>
-              <a:t>.</a:t>
-            </a:r>
-          </a:p>
-          <a:p>
-            <a:r>
-              <a:rPr lang="ko-KR" altLang="en-US" sz="1600" dirty="0" smtClean="0"/>
-              <a:t>왜 추상클래스를 사용하는가</a:t>
-            </a:r>
-            <a:r>
-              <a:rPr lang="en-US" altLang="ko-KR" sz="1600" dirty="0" smtClean="0"/>
-              <a:t>?</a:t>
-            </a:r>
-          </a:p>
-          <a:p>
-            <a:r>
-              <a:rPr lang="ko-KR" altLang="en-US" sz="1600" dirty="0" smtClean="0"/>
-              <a:t>실체 클래스의 필드와 </a:t>
-            </a:r>
-            <a:r>
-              <a:rPr lang="ko-KR" altLang="en-US" sz="1600" dirty="0" err="1" smtClean="0"/>
-              <a:t>메서드의</a:t>
-            </a:r>
-            <a:r>
-              <a:rPr lang="ko-KR" altLang="en-US" sz="1600" dirty="0" smtClean="0"/>
-              <a:t> 이름을 통일할 목적으로 사용한다</a:t>
-            </a:r>
-            <a:r>
-              <a:rPr lang="en-US" altLang="ko-KR" sz="1600" dirty="0" smtClean="0"/>
-              <a:t>.</a:t>
-            </a:r>
-          </a:p>
-          <a:p>
-            <a:endParaRPr lang="en-US" altLang="ko-KR" sz="1600" dirty="0"/>
-          </a:p>
-          <a:p>
-            <a:r>
-              <a:rPr lang="en-US" altLang="ko-KR" sz="1600" dirty="0" err="1" smtClean="0"/>
-              <a:t>TelePhone</a:t>
-            </a:r>
-            <a:r>
-              <a:rPr lang="en-US" altLang="ko-KR" sz="1600" dirty="0" smtClean="0"/>
-              <a:t> </a:t>
-            </a:r>
-            <a:r>
-              <a:rPr lang="ko-KR" altLang="en-US" sz="1600" dirty="0" smtClean="0"/>
-              <a:t>클래스 </a:t>
-            </a:r>
-            <a:r>
-              <a:rPr lang="en-US" altLang="ko-KR" sz="1600" dirty="0" smtClean="0"/>
-              <a:t>– owner(</a:t>
-            </a:r>
-            <a:r>
-              <a:rPr lang="ko-KR" altLang="en-US" sz="1600" dirty="0" smtClean="0"/>
-              <a:t>소유자</a:t>
-            </a:r>
-            <a:r>
-              <a:rPr lang="en-US" altLang="ko-KR" sz="1600" dirty="0" smtClean="0"/>
-              <a:t>),  </a:t>
-            </a:r>
-            <a:r>
-              <a:rPr lang="en-US" altLang="ko-KR" sz="1600" dirty="0" err="1" smtClean="0"/>
-              <a:t>powerOn</a:t>
-            </a:r>
-            <a:r>
-              <a:rPr lang="en-US" altLang="ko-KR" sz="1600" dirty="0" smtClean="0"/>
-              <a:t>() - </a:t>
-            </a:r>
-            <a:r>
-              <a:rPr lang="ko-KR" altLang="en-US" sz="1600" dirty="0" smtClean="0"/>
-              <a:t>전원을 켜다</a:t>
-            </a:r>
-            <a:endParaRPr lang="en-US" altLang="ko-KR" sz="1600" dirty="0" smtClean="0"/>
-          </a:p>
-          <a:p>
-            <a:r>
-              <a:rPr lang="en-US" altLang="ko-KR" sz="1600" dirty="0" err="1" smtClean="0"/>
-              <a:t>SmartPhone</a:t>
-            </a:r>
-            <a:r>
-              <a:rPr lang="en-US" altLang="ko-KR" sz="1600" dirty="0" smtClean="0"/>
-              <a:t> </a:t>
-            </a:r>
-            <a:r>
-              <a:rPr lang="ko-KR" altLang="en-US" sz="1600" dirty="0" smtClean="0"/>
-              <a:t>클래스 </a:t>
-            </a:r>
-            <a:r>
-              <a:rPr lang="en-US" altLang="ko-KR" sz="1600" dirty="0" smtClean="0"/>
-              <a:t>– user(</a:t>
-            </a:r>
-            <a:r>
-              <a:rPr lang="ko-KR" altLang="en-US" sz="1600" dirty="0" smtClean="0"/>
-              <a:t>소유자</a:t>
-            </a:r>
-            <a:r>
-              <a:rPr lang="en-US" altLang="ko-KR" sz="1600" dirty="0" smtClean="0"/>
-              <a:t>), </a:t>
-            </a:r>
-            <a:r>
-              <a:rPr lang="en-US" altLang="ko-KR" sz="1600" dirty="0" err="1" smtClean="0"/>
-              <a:t>trunOn</a:t>
-            </a:r>
-            <a:r>
-              <a:rPr lang="en-US" altLang="ko-KR" sz="1600" dirty="0" smtClean="0"/>
-              <a:t>() – </a:t>
-            </a:r>
-            <a:r>
-              <a:rPr lang="ko-KR" altLang="en-US" sz="1600" dirty="0" smtClean="0"/>
-              <a:t>전원을 켜다</a:t>
-            </a:r>
-            <a:endParaRPr lang="en-US" altLang="ko-KR" sz="1600" dirty="0" smtClean="0"/>
-          </a:p>
-          <a:p>
-            <a:endParaRPr lang="en-US" altLang="ko-KR" sz="1600" dirty="0"/>
-          </a:p>
-          <a:p>
-            <a:r>
-              <a:rPr lang="ko-KR" altLang="en-US" sz="1600" dirty="0" smtClean="0"/>
-              <a:t>추상클래스 사용</a:t>
-            </a:r>
-            <a:endParaRPr lang="en-US" altLang="ko-KR" sz="1600" dirty="0" smtClean="0"/>
-          </a:p>
-          <a:p>
-            <a:r>
-              <a:rPr lang="en-US" altLang="ko-KR" sz="1600" dirty="0" smtClean="0"/>
-              <a:t>Phone – user, </a:t>
-            </a:r>
-            <a:r>
-              <a:rPr lang="en-US" altLang="ko-KR" sz="1600" dirty="0" err="1" smtClean="0"/>
-              <a:t>powerOn</a:t>
-            </a:r>
-            <a:r>
-              <a:rPr lang="en-US" altLang="ko-KR" sz="1600" dirty="0" smtClean="0"/>
-              <a:t>() -&gt; </a:t>
-            </a:r>
-            <a:r>
-              <a:rPr lang="en-US" altLang="ko-KR" sz="1600" dirty="0" err="1" smtClean="0"/>
-              <a:t>TelePhone</a:t>
-            </a:r>
-            <a:r>
-              <a:rPr lang="en-US" altLang="ko-KR" sz="1600" dirty="0" smtClean="0"/>
-              <a:t>, </a:t>
-            </a:r>
-            <a:r>
-              <a:rPr lang="en-US" altLang="ko-KR" sz="1600" dirty="0" err="1" smtClean="0"/>
-              <a:t>SmartPhone</a:t>
-            </a:r>
-            <a:r>
-              <a:rPr lang="ko-KR" altLang="en-US" sz="1600" dirty="0" smtClean="0"/>
-              <a:t>이 상속 받음</a:t>
-            </a:r>
-            <a:endParaRPr lang="ko-KR" altLang="en-US" sz="1600" dirty="0"/>
-          </a:p>
-        </p:txBody>
-      </p:sp>
-      <p:sp>
-        <p:nvSpPr>
-          <p:cNvPr id="20" name="내용 개체 틀 2">
-            <a:extLst>
-              <a:ext uri="{FF2B5EF4-FFF2-40B4-BE49-F238E27FC236}">
-                <a16:creationId xmlns:a16="http://schemas.microsoft.com/office/drawing/2014/main" id="{98AF3A4E-7D90-4241-89FE-799D6F9D5A94}"/>
-              </a:ext>
-            </a:extLst>
-          </p:cNvPr>
-          <p:cNvSpPr txBox="1">
-            <a:spLocks/>
-          </p:cNvSpPr>
-          <p:nvPr/>
-        </p:nvSpPr>
-        <p:spPr>
-          <a:xfrm>
-            <a:off x="732057" y="4725144"/>
-            <a:ext cx="2276727" cy="521045"/>
-          </a:xfrm>
-          <a:prstGeom prst="rect">
-            <a:avLst/>
-          </a:prstGeom>
-        </p:spPr>
-        <p:txBody>
-          <a:bodyPr/>
-          <a:lstStyle>
-            <a:lvl1pPr marL="228600" indent="-228600" algn="l" defTabSz="914400" rtl="0" eaLnBrk="1" latinLnBrk="1" hangingPunct="1">
-              <a:lnSpc>
-                <a:spcPct val="90000"/>
-              </a:lnSpc>
-              <a:spcBef>
-                <a:spcPts val="1000"/>
-              </a:spcBef>
-              <a:buFont typeface="Arial" panose="020B0604020202020204" pitchFamily="34" charset="0"/>
-              <a:buChar char="•"/>
-              <a:defRPr sz="2800" kern="1200">
-                <a:solidFill>
-                  <a:schemeClr val="tx1"/>
-                </a:solidFill>
-                <a:latin typeface="+mn-lt"/>
-                <a:ea typeface="+mn-ea"/>
-                <a:cs typeface="+mn-cs"/>
-              </a:defRPr>
-            </a:lvl1pPr>
-            <a:lvl2pPr marL="685800" indent="-228600" algn="l" defTabSz="914400" rtl="0" eaLnBrk="1" latinLnBrk="1" hangingPunct="1">
-              <a:lnSpc>
-                <a:spcPct val="90000"/>
-              </a:lnSpc>
-              <a:spcBef>
-                <a:spcPts val="500"/>
-              </a:spcBef>
-              <a:buFont typeface="Arial" panose="020B0604020202020204" pitchFamily="34" charset="0"/>
-              <a:buChar char="•"/>
-              <a:defRPr sz="2400" kern="1200">
-                <a:solidFill>
-                  <a:schemeClr val="tx1"/>
-                </a:solidFill>
-                <a:latin typeface="+mn-lt"/>
-                <a:ea typeface="+mn-ea"/>
-                <a:cs typeface="+mn-cs"/>
-              </a:defRPr>
-            </a:lvl2pPr>
-            <a:lvl3pPr marL="1143000" indent="-228600" algn="l" defTabSz="914400" rtl="0" eaLnBrk="1" latinLnBrk="1" hangingPunct="1">
-              <a:lnSpc>
-                <a:spcPct val="90000"/>
-              </a:lnSpc>
-              <a:spcBef>
-                <a:spcPts val="500"/>
-              </a:spcBef>
-              <a:buFont typeface="Arial" panose="020B0604020202020204" pitchFamily="34" charset="0"/>
-              <a:buChar char="•"/>
-              <a:defRPr sz="2000" kern="1200">
-                <a:solidFill>
-                  <a:schemeClr val="tx1"/>
-                </a:solidFill>
-                <a:latin typeface="+mn-lt"/>
-                <a:ea typeface="+mn-ea"/>
-                <a:cs typeface="+mn-cs"/>
-              </a:defRPr>
-            </a:lvl3pPr>
-            <a:lvl4pPr marL="1600200" indent="-228600" algn="l" defTabSz="914400" rtl="0" eaLnBrk="1" latinLnBrk="1" hangingPunct="1">
-              <a:lnSpc>
-                <a:spcPct val="90000"/>
-              </a:lnSpc>
-              <a:spcBef>
-                <a:spcPts val="500"/>
-              </a:spcBef>
-              <a:buFont typeface="Arial" panose="020B0604020202020204" pitchFamily="34" charset="0"/>
-              <a:buChar char="•"/>
-              <a:defRPr sz="1800" kern="1200">
-                <a:solidFill>
-                  <a:schemeClr val="tx1"/>
-                </a:solidFill>
-                <a:latin typeface="+mn-lt"/>
-                <a:ea typeface="+mn-ea"/>
-                <a:cs typeface="+mn-cs"/>
-              </a:defRPr>
-            </a:lvl4pPr>
-            <a:lvl5pPr marL="2057400" indent="-228600" algn="l" defTabSz="914400" rtl="0" eaLnBrk="1" latinLnBrk="1" hangingPunct="1">
-              <a:lnSpc>
-                <a:spcPct val="90000"/>
-              </a:lnSpc>
-              <a:spcBef>
-                <a:spcPts val="500"/>
-              </a:spcBef>
-              <a:buFont typeface="Arial" panose="020B0604020202020204" pitchFamily="34" charset="0"/>
-              <a:buChar char="•"/>
-              <a:defRPr sz="1800" kern="1200">
-                <a:solidFill>
-                  <a:schemeClr val="tx1"/>
-                </a:solidFill>
-                <a:latin typeface="+mn-lt"/>
-                <a:ea typeface="+mn-ea"/>
-                <a:cs typeface="+mn-cs"/>
-              </a:defRPr>
-            </a:lvl5pPr>
-            <a:lvl6pPr marL="2514600" indent="-228600" algn="l" defTabSz="914400" rtl="0" eaLnBrk="1" latinLnBrk="1" hangingPunct="1">
-              <a:lnSpc>
-                <a:spcPct val="90000"/>
-              </a:lnSpc>
-              <a:spcBef>
-                <a:spcPts val="500"/>
-              </a:spcBef>
-              <a:buFont typeface="Arial" panose="020B0604020202020204" pitchFamily="34" charset="0"/>
-              <a:buChar char="•"/>
-              <a:defRPr sz="1800" kern="1200">
-                <a:solidFill>
-                  <a:schemeClr val="tx1"/>
-                </a:solidFill>
-                <a:latin typeface="+mn-lt"/>
-                <a:ea typeface="+mn-ea"/>
-                <a:cs typeface="+mn-cs"/>
-              </a:defRPr>
-            </a:lvl6pPr>
-            <a:lvl7pPr marL="2971800" indent="-228600" algn="l" defTabSz="914400" rtl="0" eaLnBrk="1" latinLnBrk="1" hangingPunct="1">
-              <a:lnSpc>
-                <a:spcPct val="90000"/>
-              </a:lnSpc>
-              <a:spcBef>
-                <a:spcPts val="500"/>
-              </a:spcBef>
-              <a:buFont typeface="Arial" panose="020B0604020202020204" pitchFamily="34" charset="0"/>
-              <a:buChar char="•"/>
-              <a:defRPr sz="1800" kern="1200">
-                <a:solidFill>
-                  <a:schemeClr val="tx1"/>
-                </a:solidFill>
-                <a:latin typeface="+mn-lt"/>
-                <a:ea typeface="+mn-ea"/>
-                <a:cs typeface="+mn-cs"/>
-              </a:defRPr>
-            </a:lvl7pPr>
-            <a:lvl8pPr marL="3429000" indent="-228600" algn="l" defTabSz="914400" rtl="0" eaLnBrk="1" latinLnBrk="1" hangingPunct="1">
-              <a:lnSpc>
-                <a:spcPct val="90000"/>
-              </a:lnSpc>
-              <a:spcBef>
-                <a:spcPts val="500"/>
-              </a:spcBef>
-              <a:buFont typeface="Arial" panose="020B0604020202020204" pitchFamily="34" charset="0"/>
-              <a:buChar char="•"/>
-              <a:defRPr sz="1800" kern="1200">
-                <a:solidFill>
-                  <a:schemeClr val="tx1"/>
-                </a:solidFill>
-                <a:latin typeface="+mn-lt"/>
-                <a:ea typeface="+mn-ea"/>
-                <a:cs typeface="+mn-cs"/>
-              </a:defRPr>
-            </a:lvl8pPr>
-            <a:lvl9pPr marL="3886200" indent="-228600" algn="l" defTabSz="914400" rtl="0" eaLnBrk="1" latinLnBrk="1" hangingPunct="1">
-              <a:lnSpc>
-                <a:spcPct val="90000"/>
-              </a:lnSpc>
-              <a:spcBef>
-                <a:spcPts val="500"/>
-              </a:spcBef>
-              <a:buFont typeface="Arial" panose="020B0604020202020204" pitchFamily="34" charset="0"/>
-              <a:buChar char="•"/>
-              <a:defRPr sz="1800" kern="1200">
-                <a:solidFill>
-                  <a:schemeClr val="tx1"/>
-                </a:solidFill>
-                <a:latin typeface="+mn-lt"/>
-                <a:ea typeface="+mn-ea"/>
-                <a:cs typeface="+mn-cs"/>
-              </a:defRPr>
-            </a:lvl9pPr>
-          </a:lstStyle>
-          <a:p>
-            <a:pPr marL="0" indent="0">
-              <a:lnSpc>
-                <a:spcPct val="150000"/>
-              </a:lnSpc>
-              <a:buNone/>
-            </a:pPr>
-            <a:r>
-              <a:rPr lang="ko-KR" altLang="en-US" sz="1800" b="1" smtClean="0">
-                <a:solidFill>
-                  <a:srgbClr val="C00000"/>
-                </a:solidFill>
-              </a:rPr>
-              <a:t>추상 클래스의 선언</a:t>
-            </a:r>
-            <a:endParaRPr lang="en-US" altLang="ko-KR" sz="1800" b="1" dirty="0" smtClean="0">
-              <a:solidFill>
-                <a:srgbClr val="C00000"/>
-              </a:solidFill>
-            </a:endParaRPr>
-          </a:p>
-        </p:txBody>
-      </p:sp>
-      <p:sp>
-        <p:nvSpPr>
-          <p:cNvPr id="4" name="TextBox 3"/>
-          <p:cNvSpPr txBox="1"/>
-          <p:nvPr/>
-        </p:nvSpPr>
-        <p:spPr>
-          <a:xfrm>
-            <a:off x="1248966" y="5232447"/>
-            <a:ext cx="4176464" cy="987504"/>
-          </a:xfrm>
-          <a:prstGeom prst="roundRect">
-            <a:avLst/>
-          </a:prstGeom>
-          <a:noFill/>
-          <a:ln>
-            <a:solidFill>
-              <a:schemeClr val="bg1">
-                <a:lumMod val="75000"/>
-              </a:schemeClr>
-            </a:solidFill>
-          </a:ln>
-        </p:spPr>
-        <p:txBody>
-          <a:bodyPr wrap="square" rtlCol="0">
-            <a:spAutoFit/>
-          </a:bodyPr>
-          <a:lstStyle/>
-          <a:p>
-            <a:r>
-              <a:rPr lang="en-US" altLang="ko-KR" dirty="0" smtClean="0"/>
-              <a:t>Public </a:t>
-            </a:r>
-            <a:r>
-              <a:rPr lang="en-US" altLang="ko-KR" b="1" dirty="0" smtClean="0">
-                <a:solidFill>
-                  <a:srgbClr val="C00000"/>
-                </a:solidFill>
-              </a:rPr>
-              <a:t>abstract</a:t>
-            </a:r>
-            <a:r>
-              <a:rPr lang="en-US" altLang="ko-KR" dirty="0" smtClean="0"/>
-              <a:t> class </a:t>
-            </a:r>
-            <a:r>
-              <a:rPr lang="ko-KR" altLang="en-US" dirty="0" smtClean="0"/>
-              <a:t>클래스이름</a:t>
-            </a:r>
-            <a:r>
-              <a:rPr lang="en-US" altLang="ko-KR" dirty="0" smtClean="0"/>
-              <a:t>{</a:t>
-            </a:r>
-          </a:p>
-          <a:p>
-            <a:r>
-              <a:rPr lang="en-US" altLang="ko-KR" sz="1600" dirty="0"/>
-              <a:t> </a:t>
-            </a:r>
-            <a:r>
-              <a:rPr lang="en-US" altLang="ko-KR" sz="1600" dirty="0" smtClean="0"/>
-              <a:t>   </a:t>
-            </a:r>
-            <a:r>
-              <a:rPr lang="en-US" altLang="ko-KR" sz="1600" dirty="0" smtClean="0">
-                <a:solidFill>
-                  <a:schemeClr val="tx1">
-                    <a:lumMod val="50000"/>
-                    <a:lumOff val="50000"/>
-                  </a:schemeClr>
-                </a:solidFill>
-              </a:rPr>
-              <a:t>//</a:t>
-            </a:r>
-            <a:r>
-              <a:rPr lang="ko-KR" altLang="en-US" sz="1600" dirty="0" smtClean="0">
-                <a:solidFill>
-                  <a:schemeClr val="tx1">
-                    <a:lumMod val="50000"/>
-                    <a:lumOff val="50000"/>
-                  </a:schemeClr>
-                </a:solidFill>
-              </a:rPr>
-              <a:t>필드</a:t>
-            </a:r>
-            <a:r>
-              <a:rPr lang="en-US" altLang="ko-KR" sz="1600" dirty="0" smtClean="0">
-                <a:solidFill>
-                  <a:schemeClr val="tx1">
-                    <a:lumMod val="50000"/>
-                    <a:lumOff val="50000"/>
-                  </a:schemeClr>
-                </a:solidFill>
-              </a:rPr>
-              <a:t>, </a:t>
-            </a:r>
-            <a:r>
-              <a:rPr lang="ko-KR" altLang="en-US" sz="1600" dirty="0" err="1" smtClean="0">
-                <a:solidFill>
-                  <a:schemeClr val="tx1">
-                    <a:lumMod val="50000"/>
-                    <a:lumOff val="50000"/>
-                  </a:schemeClr>
-                </a:solidFill>
-              </a:rPr>
-              <a:t>생성자</a:t>
-            </a:r>
-            <a:r>
-              <a:rPr lang="en-US" altLang="ko-KR" sz="1600" dirty="0" smtClean="0">
-                <a:solidFill>
-                  <a:schemeClr val="tx1">
-                    <a:lumMod val="50000"/>
-                    <a:lumOff val="50000"/>
-                  </a:schemeClr>
-                </a:solidFill>
-              </a:rPr>
-              <a:t>, </a:t>
-            </a:r>
-            <a:r>
-              <a:rPr lang="ko-KR" altLang="en-US" sz="1600" dirty="0" err="1" smtClean="0">
-                <a:solidFill>
-                  <a:schemeClr val="tx1">
-                    <a:lumMod val="50000"/>
-                    <a:lumOff val="50000"/>
-                  </a:schemeClr>
-                </a:solidFill>
-              </a:rPr>
-              <a:t>메서드</a:t>
-            </a:r>
-            <a:endParaRPr lang="en-US" altLang="ko-KR" sz="1600" dirty="0">
-              <a:solidFill>
-                <a:schemeClr val="tx1">
-                  <a:lumMod val="50000"/>
-                  <a:lumOff val="50000"/>
-                </a:schemeClr>
-              </a:solidFill>
-            </a:endParaRPr>
-          </a:p>
-          <a:p>
-            <a:r>
-              <a:rPr lang="en-US" altLang="ko-KR" dirty="0" smtClean="0"/>
-              <a:t>}</a:t>
-            </a:r>
-            <a:endParaRPr lang="ko-KR" altLang="en-US" dirty="0"/>
-          </a:p>
-        </p:txBody>
-      </p:sp>
-    </p:spTree>
-    <p:extLst>
-      <p:ext uri="{BB962C8B-B14F-4D97-AF65-F5344CB8AC3E}">
-        <p14:creationId xmlns:p14="http://schemas.microsoft.com/office/powerpoint/2010/main" val="3005246185"/>
-      </p:ext>
-    </p:extLst>
-  </p:cSld>
-  <p:clrMapOvr>
-    <a:masterClrMapping/>
-  </p:clrMapOvr>
-  <p:timing>
-    <p:tnLst>
-      <p:par>
-        <p:cTn id="1" dur="indefinite" restart="never" nodeType="tmRoot"/>
-      </p:par>
-    </p:tnLst>
-  </p:timing>
-</p:sld>
-</file>
-
-<file path=ppt/slides/slide20.xml><?xml version="1.0" encoding="utf-8"?>
-<p:sld xmlns:a="http://schemas.openxmlformats.org/drawingml/2006/main" xmlns:r="http://schemas.openxmlformats.org/officeDocument/2006/relationships" xmlns:p="http://schemas.openxmlformats.org/presentationml/2006/main">
-  <p:cSld>
-    <p:spTree>
-      <p:nvGrpSpPr>
-        <p:cNvPr id="1" name=""/>
-        <p:cNvGrpSpPr/>
-        <p:nvPr/>
-      </p:nvGrpSpPr>
-      <p:grpSpPr>
-        <a:xfrm>
-          <a:off x="0" y="0"/>
-          <a:ext cx="0" cy="0"/>
-          <a:chOff x="0" y="0"/>
-          <a:chExt cx="0" cy="0"/>
-        </a:xfrm>
-      </p:grpSpPr>
-      <p:sp>
-        <p:nvSpPr>
-          <p:cNvPr id="6" name="제목 5"/>
-          <p:cNvSpPr>
-            <a:spLocks noGrp="1"/>
-          </p:cNvSpPr>
-          <p:nvPr>
-            <p:ph type="title"/>
-          </p:nvPr>
-        </p:nvSpPr>
-        <p:spPr/>
-        <p:txBody>
-          <a:bodyPr/>
-          <a:lstStyle/>
-          <a:p>
-            <a:r>
-              <a:rPr lang="en-US" altLang="ko-KR" dirty="0" smtClean="0"/>
-              <a:t> final </a:t>
-            </a:r>
-            <a:r>
-              <a:rPr lang="ko-KR" altLang="en-US" dirty="0" smtClean="0"/>
-              <a:t>상수</a:t>
-            </a:r>
-            <a:endParaRPr lang="ko-KR" altLang="en-US" dirty="0"/>
-          </a:p>
-        </p:txBody>
-      </p:sp>
-      <p:sp>
-        <p:nvSpPr>
-          <p:cNvPr id="5" name="슬라이드 번호 개체 틀 4"/>
-          <p:cNvSpPr>
-            <a:spLocks noGrp="1"/>
-          </p:cNvSpPr>
-          <p:nvPr>
-            <p:ph type="sldNum" sz="quarter" idx="12"/>
-          </p:nvPr>
-        </p:nvSpPr>
-        <p:spPr>
-          <a:xfrm>
-            <a:off x="8853433" y="7312347"/>
-            <a:ext cx="557267" cy="365125"/>
-          </a:xfrm>
-        </p:spPr>
-        <p:txBody>
-          <a:bodyPr/>
-          <a:lstStyle/>
-          <a:p>
-            <a:fld id="{1BDE3FE7-3AEA-4B05-AC5A-802D1816ACF0}" type="slidenum">
-              <a:rPr lang="ko-KR" altLang="en-US" smtClean="0"/>
-              <a:t>20</a:t>
+              <a:t>23</a:t>
             </a:fld>
             <a:endParaRPr lang="ko-KR" altLang="en-US"/>
           </a:p>
@@ -10071,7 +10653,7 @@
 </p:sld>
 </file>
 
-<file path=ppt/slides/slide21.xml><?xml version="1.0" encoding="utf-8"?>
+<file path=ppt/slides/slide24.xml><?xml version="1.0" encoding="utf-8"?>
 <p:sld xmlns:a="http://schemas.openxmlformats.org/drawingml/2006/main" xmlns:r="http://schemas.openxmlformats.org/officeDocument/2006/relationships" xmlns:p="http://schemas.openxmlformats.org/presentationml/2006/main">
   <p:cSld>
     <p:spTree>
@@ -10137,7 +10719,7 @@
           <a:p>
             <a:fld id="{1BDE3FE7-3AEA-4B05-AC5A-802D1816ACF0}" type="slidenum">
               <a:rPr lang="ko-KR" altLang="en-US" smtClean="0"/>
-              <a:t>21</a:t>
+              <a:t>24</a:t>
             </a:fld>
             <a:endParaRPr lang="ko-KR" altLang="en-US"/>
           </a:p>
@@ -10747,7 +11329,7 @@
 </p:sld>
 </file>
 
-<file path=ppt/slides/slide22.xml><?xml version="1.0" encoding="utf-8"?>
+<file path=ppt/slides/slide25.xml><?xml version="1.0" encoding="utf-8"?>
 <p:sld xmlns:a="http://schemas.openxmlformats.org/drawingml/2006/main" xmlns:r="http://schemas.openxmlformats.org/officeDocument/2006/relationships" xmlns:p="http://schemas.openxmlformats.org/presentationml/2006/main">
   <p:cSld>
     <p:spTree>
@@ -10817,7 +11399,7 @@
           <a:p>
             <a:fld id="{1BDE3FE7-3AEA-4B05-AC5A-802D1816ACF0}" type="slidenum">
               <a:rPr lang="ko-KR" altLang="en-US" smtClean="0"/>
-              <a:t>22</a:t>
+              <a:t>25</a:t>
             </a:fld>
             <a:endParaRPr lang="ko-KR" altLang="en-US"/>
           </a:p>
@@ -11732,7 +12314,7 @@
 </p:sld>
 </file>
 
-<file path=ppt/slides/slide23.xml><?xml version="1.0" encoding="utf-8"?>
+<file path=ppt/slides/slide26.xml><?xml version="1.0" encoding="utf-8"?>
 <p:sld xmlns:a="http://schemas.openxmlformats.org/drawingml/2006/main" xmlns:r="http://schemas.openxmlformats.org/officeDocument/2006/relationships" xmlns:p="http://schemas.openxmlformats.org/presentationml/2006/main">
   <p:cSld>
     <p:spTree>
@@ -11802,7 +12384,7 @@
           <a:p>
             <a:fld id="{1BDE3FE7-3AEA-4B05-AC5A-802D1816ACF0}" type="slidenum">
               <a:rPr lang="ko-KR" altLang="en-US" smtClean="0"/>
-              <a:t>23</a:t>
+              <a:t>26</a:t>
             </a:fld>
             <a:endParaRPr lang="ko-KR" altLang="en-US"/>
           </a:p>
@@ -12440,7 +13022,7 @@
 </p:sld>
 </file>
 
-<file path=ppt/slides/slide24.xml><?xml version="1.0" encoding="utf-8"?>
+<file path=ppt/slides/slide27.xml><?xml version="1.0" encoding="utf-8"?>
 <p:sld xmlns:a="http://schemas.openxmlformats.org/drawingml/2006/main" xmlns:r="http://schemas.openxmlformats.org/officeDocument/2006/relationships" xmlns:p="http://schemas.openxmlformats.org/presentationml/2006/main">
   <p:cSld>
     <p:spTree>
@@ -12510,7 +13092,7 @@
           <a:p>
             <a:fld id="{1BDE3FE7-3AEA-4B05-AC5A-802D1816ACF0}" type="slidenum">
               <a:rPr lang="ko-KR" altLang="en-US" smtClean="0"/>
-              <a:t>24</a:t>
+              <a:t>27</a:t>
             </a:fld>
             <a:endParaRPr lang="ko-KR" altLang="en-US"/>
           </a:p>
@@ -12805,7 +13387,7 @@
 </p:sld>
 </file>
 
-<file path=ppt/slides/slide25.xml><?xml version="1.0" encoding="utf-8"?>
+<file path=ppt/slides/slide28.xml><?xml version="1.0" encoding="utf-8"?>
 <p:sld xmlns:a="http://schemas.openxmlformats.org/drawingml/2006/main" xmlns:r="http://schemas.openxmlformats.org/officeDocument/2006/relationships" xmlns:p="http://schemas.openxmlformats.org/presentationml/2006/main">
   <p:cSld>
     <p:spTree>
@@ -12875,7 +13457,7 @@
           <a:p>
             <a:fld id="{1BDE3FE7-3AEA-4B05-AC5A-802D1816ACF0}" type="slidenum">
               <a:rPr lang="ko-KR" altLang="en-US" smtClean="0"/>
-              <a:t>25</a:t>
+              <a:t>28</a:t>
             </a:fld>
             <a:endParaRPr lang="ko-KR" altLang="en-US"/>
           </a:p>
@@ -13170,7 +13752,7 @@
 </p:sld>
 </file>
 
-<file path=ppt/slides/slide26.xml><?xml version="1.0" encoding="utf-8"?>
+<file path=ppt/slides/slide29.xml><?xml version="1.0" encoding="utf-8"?>
 <p:sld xmlns:a="http://schemas.openxmlformats.org/drawingml/2006/main" xmlns:r="http://schemas.openxmlformats.org/officeDocument/2006/relationships" xmlns:p="http://schemas.openxmlformats.org/presentationml/2006/main">
   <p:cSld>
     <p:spTree>
@@ -13240,7 +13822,7 @@
           <a:p>
             <a:fld id="{1BDE3FE7-3AEA-4B05-AC5A-802D1816ACF0}" type="slidenum">
               <a:rPr lang="ko-KR" altLang="en-US" smtClean="0"/>
-              <a:t>26</a:t>
+              <a:t>29</a:t>
             </a:fld>
             <a:endParaRPr lang="ko-KR" altLang="en-US"/>
           </a:p>
@@ -13650,7 +14232,7 @@
 </p:sld>
 </file>
 
-<file path=ppt/slides/slide27.xml><?xml version="1.0" encoding="utf-8"?>
+<file path=ppt/slides/slide3.xml><?xml version="1.0" encoding="utf-8"?>
 <p:sld xmlns:a="http://schemas.openxmlformats.org/drawingml/2006/main" xmlns:r="http://schemas.openxmlformats.org/officeDocument/2006/relationships" xmlns:p="http://schemas.openxmlformats.org/presentationml/2006/main">
   <p:cSld>
     <p:spTree>
@@ -13684,7 +14266,15 @@
           <a:p>
             <a:r>
               <a:rPr lang="en-US" altLang="ko-KR" dirty="0" smtClean="0"/>
-              <a:t> Game Level  App</a:t>
+              <a:t> </a:t>
+            </a:r>
+            <a:r>
+              <a:rPr lang="ko-KR" altLang="en-US" dirty="0" smtClean="0"/>
+              <a:t>추상 클래스</a:t>
+            </a:r>
+            <a:r>
+              <a:rPr lang="en-US" altLang="ko-KR" dirty="0" smtClean="0"/>
+              <a:t>(abstract class)</a:t>
             </a:r>
             <a:endParaRPr lang="ko-KR" altLang="en-US" dirty="0"/>
           </a:p>
@@ -13712,7 +14302,515 @@
           <a:p>
             <a:fld id="{1BDE3FE7-3AEA-4B05-AC5A-802D1816ACF0}" type="slidenum">
               <a:rPr lang="ko-KR" altLang="en-US" smtClean="0"/>
-              <a:t>27</a:t>
+              <a:t>3</a:t>
+            </a:fld>
+            <a:endParaRPr lang="ko-KR" altLang="en-US"/>
+          </a:p>
+        </p:txBody>
+      </p:sp>
+      <p:sp>
+        <p:nvSpPr>
+          <p:cNvPr id="8" name="직사각형 7"/>
+          <p:cNvSpPr/>
+          <p:nvPr/>
+        </p:nvSpPr>
+        <p:spPr>
+          <a:xfrm>
+            <a:off x="2187950" y="1769293"/>
+            <a:ext cx="2549026" cy="360040"/>
+          </a:xfrm>
+          <a:prstGeom prst="rect">
+            <a:avLst/>
+          </a:prstGeom>
+          <a:ln w="12700"/>
+        </p:spPr>
+        <p:style>
+          <a:lnRef idx="2">
+            <a:schemeClr val="accent5"/>
+          </a:lnRef>
+          <a:fillRef idx="1">
+            <a:schemeClr val="lt1"/>
+          </a:fillRef>
+          <a:effectRef idx="0">
+            <a:schemeClr val="accent5"/>
+          </a:effectRef>
+          <a:fontRef idx="minor">
+            <a:schemeClr val="dk1"/>
+          </a:fontRef>
+        </p:style>
+        <p:txBody>
+          <a:bodyPr rtlCol="0" anchor="ctr"/>
+          <a:lstStyle/>
+          <a:p>
+            <a:pPr algn="ctr"/>
+            <a:r>
+              <a:rPr lang="en-US" altLang="ko-KR" b="1" dirty="0" smtClean="0">
+                <a:latin typeface="+mn-ea"/>
+              </a:rPr>
+              <a:t>  </a:t>
+            </a:r>
+          </a:p>
+          <a:p>
+            <a:pPr algn="ctr"/>
+            <a:r>
+              <a:rPr lang="en-US" altLang="ko-KR" i="1" dirty="0" smtClean="0">
+                <a:latin typeface="+mn-ea"/>
+              </a:rPr>
+              <a:t>Phone</a:t>
+            </a:r>
+          </a:p>
+          <a:p>
+            <a:pPr algn="ctr"/>
+            <a:endParaRPr lang="en-US" altLang="ko-KR" b="1" dirty="0">
+              <a:latin typeface="+mn-ea"/>
+            </a:endParaRPr>
+          </a:p>
+        </p:txBody>
+      </p:sp>
+      <p:grpSp>
+        <p:nvGrpSpPr>
+          <p:cNvPr id="9" name="그룹 8"/>
+          <p:cNvGrpSpPr/>
+          <p:nvPr/>
+        </p:nvGrpSpPr>
+        <p:grpSpPr>
+          <a:xfrm>
+            <a:off x="3319387" y="3157787"/>
+            <a:ext cx="121445" cy="487237"/>
+            <a:chOff x="4357443" y="3272952"/>
+            <a:chExt cx="235517" cy="444080"/>
+          </a:xfrm>
+        </p:grpSpPr>
+        <p:sp>
+          <p:nvSpPr>
+            <p:cNvPr id="11" name="이등변 삼각형 10">
+              <a:extLst>
+                <a:ext uri="{FF2B5EF4-FFF2-40B4-BE49-F238E27FC236}">
+                  <a16:creationId xmlns:a16="http://schemas.microsoft.com/office/drawing/2014/main" id="{A928C65B-0F62-4DFC-9220-DF40E5958238}"/>
+                </a:ext>
+              </a:extLst>
+            </p:cNvPr>
+            <p:cNvSpPr/>
+            <p:nvPr/>
+          </p:nvSpPr>
+          <p:spPr>
+            <a:xfrm>
+              <a:off x="4357443" y="3272952"/>
+              <a:ext cx="235517" cy="154551"/>
+            </a:xfrm>
+            <a:prstGeom prst="triangle">
+              <a:avLst/>
+            </a:prstGeom>
+            <a:ln w="12700"/>
+          </p:spPr>
+          <p:style>
+            <a:lnRef idx="2">
+              <a:schemeClr val="accent5"/>
+            </a:lnRef>
+            <a:fillRef idx="1">
+              <a:schemeClr val="lt1"/>
+            </a:fillRef>
+            <a:effectRef idx="0">
+              <a:schemeClr val="accent5"/>
+            </a:effectRef>
+            <a:fontRef idx="minor">
+              <a:schemeClr val="dk1"/>
+            </a:fontRef>
+          </p:style>
+          <p:txBody>
+            <a:bodyPr rtlCol="0" anchor="ctr"/>
+            <a:lstStyle/>
+            <a:p>
+              <a:pPr algn="ctr"/>
+              <a:endParaRPr lang="ko-KR" altLang="en-US" sz="1600"/>
+            </a:p>
+          </p:txBody>
+        </p:sp>
+        <p:cxnSp>
+          <p:nvCxnSpPr>
+            <p:cNvPr id="12" name="직선 연결선 11">
+              <a:extLst>
+                <a:ext uri="{FF2B5EF4-FFF2-40B4-BE49-F238E27FC236}">
+                  <a16:creationId xmlns:a16="http://schemas.microsoft.com/office/drawing/2014/main" id="{D15E6F92-B9C8-4563-8C4E-646F583209B9}"/>
+                </a:ext>
+              </a:extLst>
+            </p:cNvPr>
+            <p:cNvCxnSpPr>
+              <a:cxnSpLocks/>
+              <a:stCxn id="11" idx="3"/>
+            </p:cNvCxnSpPr>
+            <p:nvPr/>
+          </p:nvCxnSpPr>
+          <p:spPr>
+            <a:xfrm>
+              <a:off x="4475202" y="3427503"/>
+              <a:ext cx="0" cy="289529"/>
+            </a:xfrm>
+            <a:prstGeom prst="line">
+              <a:avLst/>
+            </a:prstGeom>
+            <a:ln w="12700"/>
+          </p:spPr>
+          <p:style>
+            <a:lnRef idx="2">
+              <a:schemeClr val="accent5"/>
+            </a:lnRef>
+            <a:fillRef idx="1">
+              <a:schemeClr val="lt1"/>
+            </a:fillRef>
+            <a:effectRef idx="0">
+              <a:schemeClr val="accent5"/>
+            </a:effectRef>
+            <a:fontRef idx="minor">
+              <a:schemeClr val="dk1"/>
+            </a:fontRef>
+          </p:style>
+        </p:cxnSp>
+      </p:grpSp>
+      <p:sp>
+        <p:nvSpPr>
+          <p:cNvPr id="18" name="직사각형 17"/>
+          <p:cNvSpPr/>
+          <p:nvPr/>
+        </p:nvSpPr>
+        <p:spPr>
+          <a:xfrm>
+            <a:off x="2187950" y="2125810"/>
+            <a:ext cx="2549026" cy="956616"/>
+          </a:xfrm>
+          <a:prstGeom prst="rect">
+            <a:avLst/>
+          </a:prstGeom>
+          <a:ln w="12700"/>
+        </p:spPr>
+        <p:style>
+          <a:lnRef idx="2">
+            <a:schemeClr val="accent5"/>
+          </a:lnRef>
+          <a:fillRef idx="1">
+            <a:schemeClr val="lt1"/>
+          </a:fillRef>
+          <a:effectRef idx="0">
+            <a:schemeClr val="accent5"/>
+          </a:effectRef>
+          <a:fontRef idx="minor">
+            <a:schemeClr val="dk1"/>
+          </a:fontRef>
+        </p:style>
+        <p:txBody>
+          <a:bodyPr rtlCol="0" anchor="ctr"/>
+          <a:lstStyle/>
+          <a:p>
+            <a:pPr algn="ctr"/>
+            <a:r>
+              <a:rPr lang="en-US" altLang="ko-KR" dirty="0" smtClean="0">
+                <a:latin typeface="+mn-ea"/>
+              </a:rPr>
+              <a:t> </a:t>
+            </a:r>
+          </a:p>
+          <a:p>
+            <a:pPr algn="ctr"/>
+            <a:r>
+              <a:rPr lang="en-US" altLang="ko-KR" dirty="0" smtClean="0">
+                <a:latin typeface="+mn-ea"/>
+              </a:rPr>
+              <a:t>owner </a:t>
+            </a:r>
+          </a:p>
+          <a:p>
+            <a:pPr algn="ctr"/>
+            <a:r>
+              <a:rPr lang="en-US" altLang="ko-KR" dirty="0" err="1" smtClean="0">
+                <a:latin typeface="+mn-ea"/>
+              </a:rPr>
+              <a:t>powerOn</a:t>
+            </a:r>
+            <a:r>
+              <a:rPr lang="en-US" altLang="ko-KR" dirty="0" smtClean="0">
+                <a:latin typeface="+mn-ea"/>
+              </a:rPr>
+              <a:t>(){…}</a:t>
+            </a:r>
+          </a:p>
+          <a:p>
+            <a:pPr algn="ctr"/>
+            <a:endParaRPr lang="en-US" altLang="ko-KR" dirty="0">
+              <a:latin typeface="+mn-ea"/>
+            </a:endParaRPr>
+          </a:p>
+        </p:txBody>
+      </p:sp>
+      <p:sp>
+        <p:nvSpPr>
+          <p:cNvPr id="21" name="직사각형 20"/>
+          <p:cNvSpPr/>
+          <p:nvPr/>
+        </p:nvSpPr>
+        <p:spPr>
+          <a:xfrm>
+            <a:off x="2187950" y="3683751"/>
+            <a:ext cx="2549025" cy="353312"/>
+          </a:xfrm>
+          <a:prstGeom prst="rect">
+            <a:avLst/>
+          </a:prstGeom>
+          <a:ln w="12700"/>
+        </p:spPr>
+        <p:style>
+          <a:lnRef idx="2">
+            <a:schemeClr val="accent5"/>
+          </a:lnRef>
+          <a:fillRef idx="1">
+            <a:schemeClr val="lt1"/>
+          </a:fillRef>
+          <a:effectRef idx="0">
+            <a:schemeClr val="accent5"/>
+          </a:effectRef>
+          <a:fontRef idx="minor">
+            <a:schemeClr val="dk1"/>
+          </a:fontRef>
+        </p:style>
+        <p:txBody>
+          <a:bodyPr rtlCol="0" anchor="ctr"/>
+          <a:lstStyle/>
+          <a:p>
+            <a:pPr algn="ctr"/>
+            <a:r>
+              <a:rPr lang="en-US" altLang="ko-KR" dirty="0" smtClean="0">
+                <a:latin typeface="+mn-ea"/>
+              </a:rPr>
+              <a:t>  </a:t>
+            </a:r>
+          </a:p>
+          <a:p>
+            <a:pPr algn="ctr"/>
+            <a:r>
+              <a:rPr lang="en-US" altLang="ko-KR" dirty="0" err="1" smtClean="0">
+                <a:latin typeface="+mn-ea"/>
+              </a:rPr>
+              <a:t>SmartPhone</a:t>
+            </a:r>
+            <a:endParaRPr lang="en-US" altLang="ko-KR" dirty="0" smtClean="0">
+              <a:latin typeface="+mn-ea"/>
+            </a:endParaRPr>
+          </a:p>
+          <a:p>
+            <a:pPr algn="ctr"/>
+            <a:endParaRPr lang="en-US" altLang="ko-KR" dirty="0">
+              <a:latin typeface="+mn-ea"/>
+            </a:endParaRPr>
+          </a:p>
+        </p:txBody>
+      </p:sp>
+      <p:sp>
+        <p:nvSpPr>
+          <p:cNvPr id="22" name="직사각형 21"/>
+          <p:cNvSpPr/>
+          <p:nvPr/>
+        </p:nvSpPr>
+        <p:spPr>
+          <a:xfrm>
+            <a:off x="2187950" y="4030355"/>
+            <a:ext cx="2549025" cy="838805"/>
+          </a:xfrm>
+          <a:prstGeom prst="rect">
+            <a:avLst/>
+          </a:prstGeom>
+          <a:ln w="12700"/>
+        </p:spPr>
+        <p:style>
+          <a:lnRef idx="2">
+            <a:schemeClr val="accent5"/>
+          </a:lnRef>
+          <a:fillRef idx="1">
+            <a:schemeClr val="lt1"/>
+          </a:fillRef>
+          <a:effectRef idx="0">
+            <a:schemeClr val="accent5"/>
+          </a:effectRef>
+          <a:fontRef idx="minor">
+            <a:schemeClr val="dk1"/>
+          </a:fontRef>
+        </p:style>
+        <p:txBody>
+          <a:bodyPr rtlCol="0" anchor="ctr"/>
+          <a:lstStyle/>
+          <a:p>
+            <a:pPr algn="ctr"/>
+            <a:r>
+              <a:rPr lang="en-US" altLang="ko-KR" dirty="0" smtClean="0">
+                <a:latin typeface="+mn-ea"/>
+              </a:rPr>
+              <a:t>  </a:t>
+            </a:r>
+          </a:p>
+          <a:p>
+            <a:pPr algn="ctr"/>
+            <a:r>
+              <a:rPr lang="en-US" altLang="ko-KR" dirty="0" err="1">
+                <a:latin typeface="+mn-ea"/>
+              </a:rPr>
+              <a:t>i</a:t>
+            </a:r>
+            <a:r>
+              <a:rPr lang="en-US" altLang="ko-KR" dirty="0" err="1" smtClean="0">
+                <a:latin typeface="+mn-ea"/>
+              </a:rPr>
+              <a:t>nternetSearch</a:t>
+            </a:r>
+            <a:r>
+              <a:rPr lang="en-US" altLang="ko-KR" dirty="0" smtClean="0">
+                <a:latin typeface="+mn-ea"/>
+              </a:rPr>
+              <a:t>(){…}</a:t>
+            </a:r>
+          </a:p>
+          <a:p>
+            <a:pPr algn="ctr"/>
+            <a:endParaRPr lang="en-US" altLang="ko-KR" dirty="0">
+              <a:latin typeface="+mn-ea"/>
+            </a:endParaRPr>
+          </a:p>
+        </p:txBody>
+      </p:sp>
+      <p:sp>
+        <p:nvSpPr>
+          <p:cNvPr id="23" name="모서리가 둥근 사각형 설명선 22"/>
+          <p:cNvSpPr/>
+          <p:nvPr/>
+        </p:nvSpPr>
+        <p:spPr>
+          <a:xfrm>
+            <a:off x="5177671" y="1769293"/>
+            <a:ext cx="2248811" cy="768221"/>
+          </a:xfrm>
+          <a:prstGeom prst="wedgeRoundRectCallout">
+            <a:avLst>
+              <a:gd name="adj1" fmla="val -66239"/>
+              <a:gd name="adj2" fmla="val -15250"/>
+              <a:gd name="adj3" fmla="val 16667"/>
+            </a:avLst>
+          </a:prstGeom>
+          <a:ln/>
+        </p:spPr>
+        <p:style>
+          <a:lnRef idx="2">
+            <a:schemeClr val="accent3"/>
+          </a:lnRef>
+          <a:fillRef idx="1">
+            <a:schemeClr val="lt1"/>
+          </a:fillRef>
+          <a:effectRef idx="0">
+            <a:schemeClr val="accent3"/>
+          </a:effectRef>
+          <a:fontRef idx="minor">
+            <a:schemeClr val="dk1"/>
+          </a:fontRef>
+        </p:style>
+        <p:txBody>
+          <a:bodyPr rtlCol="0" anchor="ctr"/>
+          <a:lstStyle/>
+          <a:p>
+            <a:r>
+              <a:rPr lang="ko-KR" altLang="en-US" sz="1600" dirty="0" smtClean="0"/>
+              <a:t>추상클래스는 </a:t>
+            </a:r>
+            <a:r>
+              <a:rPr lang="ko-KR" altLang="en-US" sz="1600" dirty="0" err="1" smtClean="0"/>
+              <a:t>기울임체로</a:t>
+            </a:r>
+            <a:r>
+              <a:rPr lang="ko-KR" altLang="en-US" sz="1600" dirty="0" smtClean="0"/>
+              <a:t> 표기</a:t>
+            </a:r>
+            <a:endParaRPr lang="ko-KR" altLang="en-US" sz="1600" dirty="0"/>
+          </a:p>
+        </p:txBody>
+      </p:sp>
+    </p:spTree>
+    <p:extLst>
+      <p:ext uri="{BB962C8B-B14F-4D97-AF65-F5344CB8AC3E}">
+        <p14:creationId xmlns:p14="http://schemas.microsoft.com/office/powerpoint/2010/main" val="2906094690"/>
+      </p:ext>
+    </p:extLst>
+  </p:cSld>
+  <p:clrMapOvr>
+    <a:masterClrMapping/>
+  </p:clrMapOvr>
+  <p:timing>
+    <p:tnLst>
+      <p:par>
+        <p:cTn id="1" dur="indefinite" restart="never" nodeType="tmRoot"/>
+      </p:par>
+    </p:tnLst>
+  </p:timing>
+</p:sld>
+</file>
+
+<file path=ppt/slides/slide30.xml><?xml version="1.0" encoding="utf-8"?>
+<p:sld xmlns:a="http://schemas.openxmlformats.org/drawingml/2006/main" xmlns:r="http://schemas.openxmlformats.org/officeDocument/2006/relationships" xmlns:p="http://schemas.openxmlformats.org/presentationml/2006/main">
+  <p:cSld>
+    <p:spTree>
+      <p:nvGrpSpPr>
+        <p:cNvPr id="1" name=""/>
+        <p:cNvGrpSpPr/>
+        <p:nvPr/>
+      </p:nvGrpSpPr>
+      <p:grpSpPr>
+        <a:xfrm>
+          <a:off x="0" y="0"/>
+          <a:ext cx="0" cy="0"/>
+          <a:chOff x="0" y="0"/>
+          <a:chExt cx="0" cy="0"/>
+        </a:xfrm>
+      </p:grpSpPr>
+      <p:sp>
+        <p:nvSpPr>
+          <p:cNvPr id="6" name="제목 5"/>
+          <p:cNvSpPr>
+            <a:spLocks noGrp="1"/>
+          </p:cNvSpPr>
+          <p:nvPr>
+            <p:ph type="title"/>
+          </p:nvPr>
+        </p:nvSpPr>
+        <p:spPr/>
+        <p:txBody>
+          <a:bodyPr/>
+          <a:lstStyle/>
+          <a:p>
+            <a:r>
+              <a:rPr lang="en-US" altLang="ko-KR" dirty="0" smtClean="0"/>
+              <a:t> Game Level  App</a:t>
+            </a:r>
+            <a:endParaRPr lang="ko-KR" altLang="en-US" dirty="0"/>
+          </a:p>
+        </p:txBody>
+      </p:sp>
+      <p:sp>
+        <p:nvSpPr>
+          <p:cNvPr id="5" name="슬라이드 번호 개체 틀 4"/>
+          <p:cNvSpPr>
+            <a:spLocks noGrp="1"/>
+          </p:cNvSpPr>
+          <p:nvPr>
+            <p:ph type="sldNum" sz="quarter" idx="12"/>
+          </p:nvPr>
+        </p:nvSpPr>
+        <p:spPr>
+          <a:xfrm>
+            <a:off x="8853433" y="7312347"/>
+            <a:ext cx="557267" cy="365125"/>
+          </a:xfrm>
+        </p:spPr>
+        <p:txBody>
+          <a:bodyPr/>
+          <a:lstStyle/>
+          <a:p>
+            <a:fld id="{1BDE3FE7-3AEA-4B05-AC5A-802D1816ACF0}" type="slidenum">
+              <a:rPr lang="ko-KR" altLang="en-US" smtClean="0"/>
+              <a:t>30</a:t>
             </a:fld>
             <a:endParaRPr lang="ko-KR" altLang="en-US"/>
           </a:p>
@@ -15314,7 +16412,7 @@
 </p:sld>
 </file>
 
-<file path=ppt/slides/slide28.xml><?xml version="1.0" encoding="utf-8"?>
+<file path=ppt/slides/slide31.xml><?xml version="1.0" encoding="utf-8"?>
 <p:sld xmlns:a="http://schemas.openxmlformats.org/drawingml/2006/main" xmlns:r="http://schemas.openxmlformats.org/officeDocument/2006/relationships" xmlns:p="http://schemas.openxmlformats.org/presentationml/2006/main">
   <p:cSld>
     <p:spTree>
@@ -15376,7 +16474,7 @@
           <a:p>
             <a:fld id="{1BDE3FE7-3AEA-4B05-AC5A-802D1816ACF0}" type="slidenum">
               <a:rPr lang="ko-KR" altLang="en-US" smtClean="0"/>
-              <a:t>28</a:t>
+              <a:t>31</a:t>
             </a:fld>
             <a:endParaRPr lang="ko-KR" altLang="en-US"/>
           </a:p>
@@ -16111,7 +17209,7 @@
 </p:sld>
 </file>
 
-<file path=ppt/slides/slide29.xml><?xml version="1.0" encoding="utf-8"?>
+<file path=ppt/slides/slide32.xml><?xml version="1.0" encoding="utf-8"?>
 <p:sld xmlns:a="http://schemas.openxmlformats.org/drawingml/2006/main" xmlns:r="http://schemas.openxmlformats.org/officeDocument/2006/relationships" xmlns:p="http://schemas.openxmlformats.org/presentationml/2006/main">
   <p:cSld>
     <p:spTree>
@@ -16173,7 +17271,7 @@
           <a:p>
             <a:fld id="{1BDE3FE7-3AEA-4B05-AC5A-802D1816ACF0}" type="slidenum">
               <a:rPr lang="ko-KR" altLang="en-US" smtClean="0"/>
-              <a:t>29</a:t>
+              <a:t>32</a:t>
             </a:fld>
             <a:endParaRPr lang="ko-KR" altLang="en-US"/>
           </a:p>
@@ -16487,7 +17585,7 @@
 </p:sld>
 </file>
 
-<file path=ppt/slides/slide3.xml><?xml version="1.0" encoding="utf-8"?>
+<file path=ppt/slides/slide33.xml><?xml version="1.0" encoding="utf-8"?>
 <p:sld xmlns:a="http://schemas.openxmlformats.org/drawingml/2006/main" xmlns:r="http://schemas.openxmlformats.org/officeDocument/2006/relationships" xmlns:p="http://schemas.openxmlformats.org/presentationml/2006/main">
   <p:cSld>
     <p:spTree>
@@ -16521,15 +17619,7 @@
           <a:p>
             <a:r>
               <a:rPr lang="en-US" altLang="ko-KR" dirty="0" smtClean="0"/>
-              <a:t> </a:t>
-            </a:r>
-            <a:r>
-              <a:rPr lang="ko-KR" altLang="en-US" dirty="0" smtClean="0"/>
-              <a:t>추상 클래스</a:t>
-            </a:r>
-            <a:r>
-              <a:rPr lang="en-US" altLang="ko-KR" dirty="0" smtClean="0"/>
-              <a:t>(abstract class)</a:t>
+              <a:t> Game Level  App</a:t>
             </a:r>
             <a:endParaRPr lang="ko-KR" altLang="en-US" dirty="0"/>
           </a:p>
@@ -16557,515 +17647,7 @@
           <a:p>
             <a:fld id="{1BDE3FE7-3AEA-4B05-AC5A-802D1816ACF0}" type="slidenum">
               <a:rPr lang="ko-KR" altLang="en-US" smtClean="0"/>
-              <a:t>3</a:t>
-            </a:fld>
-            <a:endParaRPr lang="ko-KR" altLang="en-US"/>
-          </a:p>
-        </p:txBody>
-      </p:sp>
-      <p:sp>
-        <p:nvSpPr>
-          <p:cNvPr id="8" name="직사각형 7"/>
-          <p:cNvSpPr/>
-          <p:nvPr/>
-        </p:nvSpPr>
-        <p:spPr>
-          <a:xfrm>
-            <a:off x="2187950" y="1769293"/>
-            <a:ext cx="2549026" cy="360040"/>
-          </a:xfrm>
-          <a:prstGeom prst="rect">
-            <a:avLst/>
-          </a:prstGeom>
-          <a:ln w="12700"/>
-        </p:spPr>
-        <p:style>
-          <a:lnRef idx="2">
-            <a:schemeClr val="accent5"/>
-          </a:lnRef>
-          <a:fillRef idx="1">
-            <a:schemeClr val="lt1"/>
-          </a:fillRef>
-          <a:effectRef idx="0">
-            <a:schemeClr val="accent5"/>
-          </a:effectRef>
-          <a:fontRef idx="minor">
-            <a:schemeClr val="dk1"/>
-          </a:fontRef>
-        </p:style>
-        <p:txBody>
-          <a:bodyPr rtlCol="0" anchor="ctr"/>
-          <a:lstStyle/>
-          <a:p>
-            <a:pPr algn="ctr"/>
-            <a:r>
-              <a:rPr lang="en-US" altLang="ko-KR" b="1" dirty="0" smtClean="0">
-                <a:latin typeface="+mn-ea"/>
-              </a:rPr>
-              <a:t>  </a:t>
-            </a:r>
-          </a:p>
-          <a:p>
-            <a:pPr algn="ctr"/>
-            <a:r>
-              <a:rPr lang="en-US" altLang="ko-KR" i="1" dirty="0" smtClean="0">
-                <a:latin typeface="+mn-ea"/>
-              </a:rPr>
-              <a:t>Phone</a:t>
-            </a:r>
-          </a:p>
-          <a:p>
-            <a:pPr algn="ctr"/>
-            <a:endParaRPr lang="en-US" altLang="ko-KR" b="1" dirty="0">
-              <a:latin typeface="+mn-ea"/>
-            </a:endParaRPr>
-          </a:p>
-        </p:txBody>
-      </p:sp>
-      <p:grpSp>
-        <p:nvGrpSpPr>
-          <p:cNvPr id="9" name="그룹 8"/>
-          <p:cNvGrpSpPr/>
-          <p:nvPr/>
-        </p:nvGrpSpPr>
-        <p:grpSpPr>
-          <a:xfrm>
-            <a:off x="3021077" y="3157787"/>
-            <a:ext cx="121445" cy="487237"/>
-            <a:chOff x="4357443" y="3272952"/>
-            <a:chExt cx="235517" cy="444080"/>
-          </a:xfrm>
-        </p:grpSpPr>
-        <p:sp>
-          <p:nvSpPr>
-            <p:cNvPr id="11" name="이등변 삼각형 10">
-              <a:extLst>
-                <a:ext uri="{FF2B5EF4-FFF2-40B4-BE49-F238E27FC236}">
-                  <a16:creationId xmlns:a16="http://schemas.microsoft.com/office/drawing/2014/main" id="{A928C65B-0F62-4DFC-9220-DF40E5958238}"/>
-                </a:ext>
-              </a:extLst>
-            </p:cNvPr>
-            <p:cNvSpPr/>
-            <p:nvPr/>
-          </p:nvSpPr>
-          <p:spPr>
-            <a:xfrm>
-              <a:off x="4357443" y="3272952"/>
-              <a:ext cx="235517" cy="154551"/>
-            </a:xfrm>
-            <a:prstGeom prst="triangle">
-              <a:avLst/>
-            </a:prstGeom>
-            <a:ln w="12700"/>
-          </p:spPr>
-          <p:style>
-            <a:lnRef idx="2">
-              <a:schemeClr val="accent5"/>
-            </a:lnRef>
-            <a:fillRef idx="1">
-              <a:schemeClr val="lt1"/>
-            </a:fillRef>
-            <a:effectRef idx="0">
-              <a:schemeClr val="accent5"/>
-            </a:effectRef>
-            <a:fontRef idx="minor">
-              <a:schemeClr val="dk1"/>
-            </a:fontRef>
-          </p:style>
-          <p:txBody>
-            <a:bodyPr rtlCol="0" anchor="ctr"/>
-            <a:lstStyle/>
-            <a:p>
-              <a:pPr algn="ctr"/>
-              <a:endParaRPr lang="ko-KR" altLang="en-US" sz="1600"/>
-            </a:p>
-          </p:txBody>
-        </p:sp>
-        <p:cxnSp>
-          <p:nvCxnSpPr>
-            <p:cNvPr id="12" name="직선 연결선 11">
-              <a:extLst>
-                <a:ext uri="{FF2B5EF4-FFF2-40B4-BE49-F238E27FC236}">
-                  <a16:creationId xmlns:a16="http://schemas.microsoft.com/office/drawing/2014/main" id="{D15E6F92-B9C8-4563-8C4E-646F583209B9}"/>
-                </a:ext>
-              </a:extLst>
-            </p:cNvPr>
-            <p:cNvCxnSpPr>
-              <a:cxnSpLocks/>
-              <a:stCxn id="11" idx="3"/>
-            </p:cNvCxnSpPr>
-            <p:nvPr/>
-          </p:nvCxnSpPr>
-          <p:spPr>
-            <a:xfrm>
-              <a:off x="4475202" y="3427503"/>
-              <a:ext cx="0" cy="289529"/>
-            </a:xfrm>
-            <a:prstGeom prst="line">
-              <a:avLst/>
-            </a:prstGeom>
-            <a:ln w="12700"/>
-          </p:spPr>
-          <p:style>
-            <a:lnRef idx="2">
-              <a:schemeClr val="accent5"/>
-            </a:lnRef>
-            <a:fillRef idx="1">
-              <a:schemeClr val="lt1"/>
-            </a:fillRef>
-            <a:effectRef idx="0">
-              <a:schemeClr val="accent5"/>
-            </a:effectRef>
-            <a:fontRef idx="minor">
-              <a:schemeClr val="dk1"/>
-            </a:fontRef>
-          </p:style>
-        </p:cxnSp>
-      </p:grpSp>
-      <p:sp>
-        <p:nvSpPr>
-          <p:cNvPr id="18" name="직사각형 17"/>
-          <p:cNvSpPr/>
-          <p:nvPr/>
-        </p:nvSpPr>
-        <p:spPr>
-          <a:xfrm>
-            <a:off x="2187950" y="2125810"/>
-            <a:ext cx="2549026" cy="956616"/>
-          </a:xfrm>
-          <a:prstGeom prst="rect">
-            <a:avLst/>
-          </a:prstGeom>
-          <a:ln w="12700"/>
-        </p:spPr>
-        <p:style>
-          <a:lnRef idx="2">
-            <a:schemeClr val="accent5"/>
-          </a:lnRef>
-          <a:fillRef idx="1">
-            <a:schemeClr val="lt1"/>
-          </a:fillRef>
-          <a:effectRef idx="0">
-            <a:schemeClr val="accent5"/>
-          </a:effectRef>
-          <a:fontRef idx="minor">
-            <a:schemeClr val="dk1"/>
-          </a:fontRef>
-        </p:style>
-        <p:txBody>
-          <a:bodyPr rtlCol="0" anchor="ctr"/>
-          <a:lstStyle/>
-          <a:p>
-            <a:pPr algn="ctr"/>
-            <a:r>
-              <a:rPr lang="en-US" altLang="ko-KR" dirty="0" smtClean="0">
-                <a:latin typeface="+mn-ea"/>
-              </a:rPr>
-              <a:t> </a:t>
-            </a:r>
-          </a:p>
-          <a:p>
-            <a:pPr algn="ctr"/>
-            <a:r>
-              <a:rPr lang="en-US" altLang="ko-KR" dirty="0" smtClean="0">
-                <a:latin typeface="+mn-ea"/>
-              </a:rPr>
-              <a:t>owner </a:t>
-            </a:r>
-          </a:p>
-          <a:p>
-            <a:pPr algn="ctr"/>
-            <a:r>
-              <a:rPr lang="en-US" altLang="ko-KR" dirty="0" err="1" smtClean="0">
-                <a:latin typeface="+mn-ea"/>
-              </a:rPr>
-              <a:t>powerOn</a:t>
-            </a:r>
-            <a:r>
-              <a:rPr lang="en-US" altLang="ko-KR" dirty="0" smtClean="0">
-                <a:latin typeface="+mn-ea"/>
-              </a:rPr>
-              <a:t>(){…}</a:t>
-            </a:r>
-          </a:p>
-          <a:p>
-            <a:pPr algn="ctr"/>
-            <a:endParaRPr lang="en-US" altLang="ko-KR" dirty="0">
-              <a:latin typeface="+mn-ea"/>
-            </a:endParaRPr>
-          </a:p>
-        </p:txBody>
-      </p:sp>
-      <p:sp>
-        <p:nvSpPr>
-          <p:cNvPr id="21" name="직사각형 20"/>
-          <p:cNvSpPr/>
-          <p:nvPr/>
-        </p:nvSpPr>
-        <p:spPr>
-          <a:xfrm>
-            <a:off x="2187950" y="3683751"/>
-            <a:ext cx="2549025" cy="353312"/>
-          </a:xfrm>
-          <a:prstGeom prst="rect">
-            <a:avLst/>
-          </a:prstGeom>
-          <a:ln w="12700"/>
-        </p:spPr>
-        <p:style>
-          <a:lnRef idx="2">
-            <a:schemeClr val="accent5"/>
-          </a:lnRef>
-          <a:fillRef idx="1">
-            <a:schemeClr val="lt1"/>
-          </a:fillRef>
-          <a:effectRef idx="0">
-            <a:schemeClr val="accent5"/>
-          </a:effectRef>
-          <a:fontRef idx="minor">
-            <a:schemeClr val="dk1"/>
-          </a:fontRef>
-        </p:style>
-        <p:txBody>
-          <a:bodyPr rtlCol="0" anchor="ctr"/>
-          <a:lstStyle/>
-          <a:p>
-            <a:pPr algn="ctr"/>
-            <a:r>
-              <a:rPr lang="en-US" altLang="ko-KR" dirty="0" smtClean="0">
-                <a:latin typeface="+mn-ea"/>
-              </a:rPr>
-              <a:t>  </a:t>
-            </a:r>
-          </a:p>
-          <a:p>
-            <a:pPr algn="ctr"/>
-            <a:r>
-              <a:rPr lang="en-US" altLang="ko-KR" dirty="0" err="1" smtClean="0">
-                <a:latin typeface="+mn-ea"/>
-              </a:rPr>
-              <a:t>SmartPhone</a:t>
-            </a:r>
-            <a:endParaRPr lang="en-US" altLang="ko-KR" dirty="0" smtClean="0">
-              <a:latin typeface="+mn-ea"/>
-            </a:endParaRPr>
-          </a:p>
-          <a:p>
-            <a:pPr algn="ctr"/>
-            <a:endParaRPr lang="en-US" altLang="ko-KR" dirty="0">
-              <a:latin typeface="+mn-ea"/>
-            </a:endParaRPr>
-          </a:p>
-        </p:txBody>
-      </p:sp>
-      <p:sp>
-        <p:nvSpPr>
-          <p:cNvPr id="22" name="직사각형 21"/>
-          <p:cNvSpPr/>
-          <p:nvPr/>
-        </p:nvSpPr>
-        <p:spPr>
-          <a:xfrm>
-            <a:off x="2187950" y="4030355"/>
-            <a:ext cx="2549025" cy="838805"/>
-          </a:xfrm>
-          <a:prstGeom prst="rect">
-            <a:avLst/>
-          </a:prstGeom>
-          <a:ln w="12700"/>
-        </p:spPr>
-        <p:style>
-          <a:lnRef idx="2">
-            <a:schemeClr val="accent5"/>
-          </a:lnRef>
-          <a:fillRef idx="1">
-            <a:schemeClr val="lt1"/>
-          </a:fillRef>
-          <a:effectRef idx="0">
-            <a:schemeClr val="accent5"/>
-          </a:effectRef>
-          <a:fontRef idx="minor">
-            <a:schemeClr val="dk1"/>
-          </a:fontRef>
-        </p:style>
-        <p:txBody>
-          <a:bodyPr rtlCol="0" anchor="ctr"/>
-          <a:lstStyle/>
-          <a:p>
-            <a:pPr algn="ctr"/>
-            <a:r>
-              <a:rPr lang="en-US" altLang="ko-KR" dirty="0" smtClean="0">
-                <a:latin typeface="+mn-ea"/>
-              </a:rPr>
-              <a:t>  </a:t>
-            </a:r>
-          </a:p>
-          <a:p>
-            <a:pPr algn="ctr"/>
-            <a:r>
-              <a:rPr lang="en-US" altLang="ko-KR" dirty="0" err="1">
-                <a:latin typeface="+mn-ea"/>
-              </a:rPr>
-              <a:t>i</a:t>
-            </a:r>
-            <a:r>
-              <a:rPr lang="en-US" altLang="ko-KR" dirty="0" err="1" smtClean="0">
-                <a:latin typeface="+mn-ea"/>
-              </a:rPr>
-              <a:t>nternetSearch</a:t>
-            </a:r>
-            <a:r>
-              <a:rPr lang="en-US" altLang="ko-KR" dirty="0" smtClean="0">
-                <a:latin typeface="+mn-ea"/>
-              </a:rPr>
-              <a:t>(){…}</a:t>
-            </a:r>
-          </a:p>
-          <a:p>
-            <a:pPr algn="ctr"/>
-            <a:endParaRPr lang="en-US" altLang="ko-KR" dirty="0">
-              <a:latin typeface="+mn-ea"/>
-            </a:endParaRPr>
-          </a:p>
-        </p:txBody>
-      </p:sp>
-      <p:sp>
-        <p:nvSpPr>
-          <p:cNvPr id="23" name="모서리가 둥근 사각형 설명선 22"/>
-          <p:cNvSpPr/>
-          <p:nvPr/>
-        </p:nvSpPr>
-        <p:spPr>
-          <a:xfrm>
-            <a:off x="5177671" y="1769293"/>
-            <a:ext cx="2248811" cy="768221"/>
-          </a:xfrm>
-          <a:prstGeom prst="wedgeRoundRectCallout">
-            <a:avLst>
-              <a:gd name="adj1" fmla="val -66239"/>
-              <a:gd name="adj2" fmla="val -15250"/>
-              <a:gd name="adj3" fmla="val 16667"/>
-            </a:avLst>
-          </a:prstGeom>
-          <a:ln/>
-        </p:spPr>
-        <p:style>
-          <a:lnRef idx="2">
-            <a:schemeClr val="accent3"/>
-          </a:lnRef>
-          <a:fillRef idx="1">
-            <a:schemeClr val="lt1"/>
-          </a:fillRef>
-          <a:effectRef idx="0">
-            <a:schemeClr val="accent3"/>
-          </a:effectRef>
-          <a:fontRef idx="minor">
-            <a:schemeClr val="dk1"/>
-          </a:fontRef>
-        </p:style>
-        <p:txBody>
-          <a:bodyPr rtlCol="0" anchor="ctr"/>
-          <a:lstStyle/>
-          <a:p>
-            <a:r>
-              <a:rPr lang="ko-KR" altLang="en-US" sz="1600" dirty="0" smtClean="0"/>
-              <a:t>추상클래스는 </a:t>
-            </a:r>
-            <a:r>
-              <a:rPr lang="ko-KR" altLang="en-US" sz="1600" dirty="0" err="1" smtClean="0"/>
-              <a:t>기울임체로</a:t>
-            </a:r>
-            <a:r>
-              <a:rPr lang="ko-KR" altLang="en-US" sz="1600" dirty="0" smtClean="0"/>
-              <a:t> 표기</a:t>
-            </a:r>
-            <a:endParaRPr lang="ko-KR" altLang="en-US" sz="1600" dirty="0"/>
-          </a:p>
-        </p:txBody>
-      </p:sp>
-    </p:spTree>
-    <p:extLst>
-      <p:ext uri="{BB962C8B-B14F-4D97-AF65-F5344CB8AC3E}">
-        <p14:creationId xmlns:p14="http://schemas.microsoft.com/office/powerpoint/2010/main" val="2906094690"/>
-      </p:ext>
-    </p:extLst>
-  </p:cSld>
-  <p:clrMapOvr>
-    <a:masterClrMapping/>
-  </p:clrMapOvr>
-  <p:timing>
-    <p:tnLst>
-      <p:par>
-        <p:cTn id="1" dur="indefinite" restart="never" nodeType="tmRoot"/>
-      </p:par>
-    </p:tnLst>
-  </p:timing>
-</p:sld>
-</file>
-
-<file path=ppt/slides/slide30.xml><?xml version="1.0" encoding="utf-8"?>
-<p:sld xmlns:a="http://schemas.openxmlformats.org/drawingml/2006/main" xmlns:r="http://schemas.openxmlformats.org/officeDocument/2006/relationships" xmlns:p="http://schemas.openxmlformats.org/presentationml/2006/main">
-  <p:cSld>
-    <p:spTree>
-      <p:nvGrpSpPr>
-        <p:cNvPr id="1" name=""/>
-        <p:cNvGrpSpPr/>
-        <p:nvPr/>
-      </p:nvGrpSpPr>
-      <p:grpSpPr>
-        <a:xfrm>
-          <a:off x="0" y="0"/>
-          <a:ext cx="0" cy="0"/>
-          <a:chOff x="0" y="0"/>
-          <a:chExt cx="0" cy="0"/>
-        </a:xfrm>
-      </p:grpSpPr>
-      <p:sp>
-        <p:nvSpPr>
-          <p:cNvPr id="6" name="제목 5"/>
-          <p:cNvSpPr>
-            <a:spLocks noGrp="1"/>
-          </p:cNvSpPr>
-          <p:nvPr>
-            <p:ph type="title"/>
-          </p:nvPr>
-        </p:nvSpPr>
-        <p:spPr/>
-        <p:txBody>
-          <a:bodyPr/>
-          <a:lstStyle/>
-          <a:p>
-            <a:r>
-              <a:rPr lang="en-US" altLang="ko-KR" dirty="0" smtClean="0"/>
-              <a:t> Game Level  App</a:t>
-            </a:r>
-            <a:endParaRPr lang="ko-KR" altLang="en-US" dirty="0"/>
-          </a:p>
-        </p:txBody>
-      </p:sp>
-      <p:sp>
-        <p:nvSpPr>
-          <p:cNvPr id="5" name="슬라이드 번호 개체 틀 4"/>
-          <p:cNvSpPr>
-            <a:spLocks noGrp="1"/>
-          </p:cNvSpPr>
-          <p:nvPr>
-            <p:ph type="sldNum" sz="quarter" idx="12"/>
-          </p:nvPr>
-        </p:nvSpPr>
-        <p:spPr>
-          <a:xfrm>
-            <a:off x="8853433" y="7312347"/>
-            <a:ext cx="557267" cy="365125"/>
-          </a:xfrm>
-        </p:spPr>
-        <p:txBody>
-          <a:bodyPr/>
-          <a:lstStyle/>
-          <a:p>
-            <a:fld id="{1BDE3FE7-3AEA-4B05-AC5A-802D1816ACF0}" type="slidenum">
-              <a:rPr lang="ko-KR" altLang="en-US" smtClean="0"/>
-              <a:t>30</a:t>
+              <a:t>33</a:t>
             </a:fld>
             <a:endParaRPr lang="ko-KR" altLang="en-US"/>
           </a:p>
@@ -17395,7 +17977,7 @@
 </p:sld>
 </file>
 
-<file path=ppt/slides/slide31.xml><?xml version="1.0" encoding="utf-8"?>
+<file path=ppt/slides/slide34.xml><?xml version="1.0" encoding="utf-8"?>
 <p:sld xmlns:a="http://schemas.openxmlformats.org/drawingml/2006/main" xmlns:r="http://schemas.openxmlformats.org/officeDocument/2006/relationships" xmlns:p="http://schemas.openxmlformats.org/presentationml/2006/main">
   <p:cSld>
     <p:spTree>
@@ -17457,7 +18039,7 @@
           <a:p>
             <a:fld id="{1BDE3FE7-3AEA-4B05-AC5A-802D1816ACF0}" type="slidenum">
               <a:rPr lang="ko-KR" altLang="en-US" smtClean="0"/>
-              <a:t>31</a:t>
+              <a:t>34</a:t>
             </a:fld>
             <a:endParaRPr lang="ko-KR" altLang="en-US"/>
           </a:p>
@@ -17791,7 +18373,7 @@
 </p:sld>
 </file>
 
-<file path=ppt/slides/slide32.xml><?xml version="1.0" encoding="utf-8"?>
+<file path=ppt/slides/slide35.xml><?xml version="1.0" encoding="utf-8"?>
 <p:sld xmlns:a="http://schemas.openxmlformats.org/drawingml/2006/main" xmlns:r="http://schemas.openxmlformats.org/officeDocument/2006/relationships" xmlns:p="http://schemas.openxmlformats.org/presentationml/2006/main">
   <p:cSld>
     <p:spTree>
@@ -17853,7 +18435,7 @@
           <a:p>
             <a:fld id="{1BDE3FE7-3AEA-4B05-AC5A-802D1816ACF0}" type="slidenum">
               <a:rPr lang="ko-KR" altLang="en-US" smtClean="0"/>
-              <a:t>32</a:t>
+              <a:t>35</a:t>
             </a:fld>
             <a:endParaRPr lang="ko-KR" altLang="en-US"/>
           </a:p>
@@ -18124,7 +18706,7 @@
 </p:sld>
 </file>
 
-<file path=ppt/slides/slide33.xml><?xml version="1.0" encoding="utf-8"?>
+<file path=ppt/slides/slide36.xml><?xml version="1.0" encoding="utf-8"?>
 <p:sld xmlns:a="http://schemas.openxmlformats.org/drawingml/2006/main" xmlns:r="http://schemas.openxmlformats.org/officeDocument/2006/relationships" xmlns:p="http://schemas.openxmlformats.org/presentationml/2006/main">
   <p:cSld>
     <p:spTree>
@@ -18186,7 +18768,7 @@
           <a:p>
             <a:fld id="{1BDE3FE7-3AEA-4B05-AC5A-802D1816ACF0}" type="slidenum">
               <a:rPr lang="ko-KR" altLang="en-US" smtClean="0"/>
-              <a:t>33</a:t>
+              <a:t>36</a:t>
             </a:fld>
             <a:endParaRPr lang="ko-KR" altLang="en-US"/>
           </a:p>
@@ -18708,45 +19290,8 @@
         </p:blipFill>
         <p:spPr>
           <a:xfrm>
-            <a:off x="564963" y="1340768"/>
-            <a:ext cx="4282811" cy="3673159"/>
-          </a:xfrm>
-          <a:prstGeom prst="rect">
-            <a:avLst/>
-          </a:prstGeom>
-          <a:ln>
-            <a:solidFill>
-              <a:schemeClr val="bg1">
-                <a:lumMod val="75000"/>
-              </a:schemeClr>
-            </a:solidFill>
-          </a:ln>
-        </p:spPr>
-      </p:pic>
-      <p:pic>
-        <p:nvPicPr>
-          <p:cNvPr id="4" name="그림 3"/>
-          <p:cNvPicPr>
-            <a:picLocks noChangeAspect="1"/>
-          </p:cNvPicPr>
-          <p:nvPr/>
-        </p:nvPicPr>
-        <p:blipFill>
-          <a:blip r:embed="rId3">
-            <a:extLst>
-              <a:ext uri="{28A0092B-C50C-407E-A947-70E740481C1C}">
-                <a14:useLocalDpi xmlns:a14="http://schemas.microsoft.com/office/drawing/2010/main" val="0"/>
-              </a:ext>
-            </a:extLst>
-          </a:blip>
-          <a:stretch>
-            <a:fillRect/>
-          </a:stretch>
-        </p:blipFill>
-        <p:spPr>
-          <a:xfrm>
-            <a:off x="5026442" y="3068960"/>
-            <a:ext cx="4679086" cy="2110923"/>
+            <a:off x="1856656" y="1268760"/>
+            <a:ext cx="5289450" cy="4536504"/>
           </a:xfrm>
           <a:prstGeom prst="rect">
             <a:avLst/>
@@ -18858,6 +19403,139 @@
       </p:sp>
       <p:pic>
         <p:nvPicPr>
+          <p:cNvPr id="4" name="그림 3"/>
+          <p:cNvPicPr>
+            <a:picLocks noChangeAspect="1"/>
+          </p:cNvPicPr>
+          <p:nvPr/>
+        </p:nvPicPr>
+        <p:blipFill>
+          <a:blip r:embed="rId2">
+            <a:extLst>
+              <a:ext uri="{28A0092B-C50C-407E-A947-70E740481C1C}">
+                <a14:useLocalDpi xmlns:a14="http://schemas.microsoft.com/office/drawing/2010/main" val="0"/>
+              </a:ext>
+            </a:extLst>
+          </a:blip>
+          <a:stretch>
+            <a:fillRect/>
+          </a:stretch>
+        </p:blipFill>
+        <p:spPr>
+          <a:xfrm>
+            <a:off x="1424608" y="1772816"/>
+            <a:ext cx="5905696" cy="2664296"/>
+          </a:xfrm>
+          <a:prstGeom prst="rect">
+            <a:avLst/>
+          </a:prstGeom>
+          <a:ln>
+            <a:solidFill>
+              <a:schemeClr val="bg1">
+                <a:lumMod val="75000"/>
+              </a:schemeClr>
+            </a:solidFill>
+          </a:ln>
+        </p:spPr>
+      </p:pic>
+    </p:spTree>
+    <p:extLst>
+      <p:ext uri="{BB962C8B-B14F-4D97-AF65-F5344CB8AC3E}">
+        <p14:creationId xmlns:p14="http://schemas.microsoft.com/office/powerpoint/2010/main" val="2453458570"/>
+      </p:ext>
+    </p:extLst>
+  </p:cSld>
+  <p:clrMapOvr>
+    <a:masterClrMapping/>
+  </p:clrMapOvr>
+  <p:timing>
+    <p:tnLst>
+      <p:par>
+        <p:cTn id="1" dur="indefinite" restart="never" nodeType="tmRoot"/>
+      </p:par>
+    </p:tnLst>
+  </p:timing>
+</p:sld>
+</file>
+
+<file path=ppt/slides/slide6.xml><?xml version="1.0" encoding="utf-8"?>
+<p:sld xmlns:a="http://schemas.openxmlformats.org/drawingml/2006/main" xmlns:r="http://schemas.openxmlformats.org/officeDocument/2006/relationships" xmlns:p="http://schemas.openxmlformats.org/presentationml/2006/main">
+  <p:cSld>
+    <p:spTree>
+      <p:nvGrpSpPr>
+        <p:cNvPr id="1" name=""/>
+        <p:cNvGrpSpPr/>
+        <p:nvPr/>
+      </p:nvGrpSpPr>
+      <p:grpSpPr>
+        <a:xfrm>
+          <a:off x="0" y="0"/>
+          <a:ext cx="0" cy="0"/>
+          <a:chOff x="0" y="0"/>
+          <a:chExt cx="0" cy="0"/>
+        </a:xfrm>
+      </p:grpSpPr>
+      <p:sp>
+        <p:nvSpPr>
+          <p:cNvPr id="6" name="제목 5"/>
+          <p:cNvSpPr>
+            <a:spLocks noGrp="1"/>
+          </p:cNvSpPr>
+          <p:nvPr>
+            <p:ph type="title"/>
+          </p:nvPr>
+        </p:nvSpPr>
+        <p:spPr/>
+        <p:txBody>
+          <a:bodyPr/>
+          <a:lstStyle/>
+          <a:p>
+            <a:r>
+              <a:rPr lang="en-US" altLang="ko-KR" dirty="0" smtClean="0"/>
+              <a:t> </a:t>
+            </a:r>
+            <a:r>
+              <a:rPr lang="ko-KR" altLang="en-US" dirty="0" smtClean="0"/>
+              <a:t>추상 클래스</a:t>
+            </a:r>
+            <a:r>
+              <a:rPr lang="en-US" altLang="ko-KR" dirty="0" smtClean="0"/>
+              <a:t>(abstract class)</a:t>
+            </a:r>
+            <a:endParaRPr lang="ko-KR" altLang="en-US" dirty="0"/>
+          </a:p>
+        </p:txBody>
+      </p:sp>
+      <p:sp>
+        <p:nvSpPr>
+          <p:cNvPr id="5" name="슬라이드 번호 개체 틀 4"/>
+          <p:cNvSpPr>
+            <a:spLocks noGrp="1"/>
+          </p:cNvSpPr>
+          <p:nvPr>
+            <p:ph type="sldNum" sz="quarter" idx="12"/>
+          </p:nvPr>
+        </p:nvSpPr>
+        <p:spPr>
+          <a:xfrm>
+            <a:off x="8853433" y="7312347"/>
+            <a:ext cx="557267" cy="365125"/>
+          </a:xfrm>
+        </p:spPr>
+        <p:txBody>
+          <a:bodyPr/>
+          <a:lstStyle/>
+          <a:p>
+            <a:fld id="{1BDE3FE7-3AEA-4B05-AC5A-802D1816ACF0}" type="slidenum">
+              <a:rPr lang="ko-KR" altLang="en-US" smtClean="0"/>
+              <a:t>6</a:t>
+            </a:fld>
+            <a:endParaRPr lang="ko-KR" altLang="en-US"/>
+          </a:p>
+        </p:txBody>
+      </p:sp>
+      <p:pic>
+        <p:nvPicPr>
           <p:cNvPr id="3" name="그림 2"/>
           <p:cNvPicPr>
             <a:picLocks noChangeAspect="1"/>
@@ -18878,8 +19556,8 @@
         </p:blipFill>
         <p:spPr>
           <a:xfrm>
-            <a:off x="1640631" y="1700808"/>
-            <a:ext cx="6420273" cy="2952328"/>
+            <a:off x="1280592" y="1556792"/>
+            <a:ext cx="7203233" cy="3312368"/>
           </a:xfrm>
           <a:prstGeom prst="rect">
             <a:avLst/>
@@ -18913,7 +19591,7 @@
 </p:sld>
 </file>
 
-<file path=ppt/slides/slide6.xml><?xml version="1.0" encoding="utf-8"?>
+<file path=ppt/slides/slide7.xml><?xml version="1.0" encoding="utf-8"?>
 <p:sld xmlns:a="http://schemas.openxmlformats.org/drawingml/2006/main" xmlns:r="http://schemas.openxmlformats.org/officeDocument/2006/relationships" xmlns:p="http://schemas.openxmlformats.org/presentationml/2006/main">
   <p:cSld>
     <p:spTree>
@@ -18983,7 +19661,7 @@
           <a:p>
             <a:fld id="{1BDE3FE7-3AEA-4B05-AC5A-802D1816ACF0}" type="slidenum">
               <a:rPr lang="ko-KR" altLang="en-US" smtClean="0"/>
-              <a:t>6</a:t>
+              <a:t>7</a:t>
             </a:fld>
             <a:endParaRPr lang="ko-KR" altLang="en-US"/>
           </a:p>
@@ -19994,7 +20672,7 @@
 </p:sld>
 </file>
 
-<file path=ppt/slides/slide7.xml><?xml version="1.0" encoding="utf-8"?>
+<file path=ppt/slides/slide8.xml><?xml version="1.0" encoding="utf-8"?>
 <p:sld xmlns:a="http://schemas.openxmlformats.org/drawingml/2006/main" xmlns:r="http://schemas.openxmlformats.org/officeDocument/2006/relationships" xmlns:p="http://schemas.openxmlformats.org/presentationml/2006/main">
   <p:cSld>
     <p:spTree>
@@ -20060,7 +20738,7 @@
           <a:p>
             <a:fld id="{1BDE3FE7-3AEA-4B05-AC5A-802D1816ACF0}" type="slidenum">
               <a:rPr lang="ko-KR" altLang="en-US" smtClean="0"/>
-              <a:t>7</a:t>
+              <a:t>8</a:t>
             </a:fld>
             <a:endParaRPr lang="ko-KR" altLang="en-US"/>
           </a:p>
@@ -20088,8 +20766,8 @@
         </p:blipFill>
         <p:spPr>
           <a:xfrm>
-            <a:off x="2288704" y="1772816"/>
-            <a:ext cx="4413449" cy="2717267"/>
+            <a:off x="1928664" y="1628800"/>
+            <a:ext cx="5380026" cy="3312368"/>
           </a:xfrm>
           <a:prstGeom prst="rect">
             <a:avLst/>
@@ -20123,7 +20801,7 @@
 </p:sld>
 </file>
 
-<file path=ppt/slides/slide8.xml><?xml version="1.0" encoding="utf-8"?>
+<file path=ppt/slides/slide9.xml><?xml version="1.0" encoding="utf-8"?>
 <p:sld xmlns:a="http://schemas.openxmlformats.org/drawingml/2006/main" xmlns:r="http://schemas.openxmlformats.org/officeDocument/2006/relationships" xmlns:p="http://schemas.openxmlformats.org/presentationml/2006/main">
   <p:cSld>
     <p:spTree>
@@ -20189,7 +20867,7 @@
           <a:p>
             <a:fld id="{1BDE3FE7-3AEA-4B05-AC5A-802D1816ACF0}" type="slidenum">
               <a:rPr lang="ko-KR" altLang="en-US" smtClean="0"/>
-              <a:t>8</a:t>
+              <a:t>9</a:t>
             </a:fld>
             <a:endParaRPr lang="ko-KR" altLang="en-US"/>
           </a:p>
@@ -20495,8 +21173,8 @@
         </p:blipFill>
         <p:spPr>
           <a:xfrm>
-            <a:off x="2738264" y="3193926"/>
-            <a:ext cx="3642676" cy="2353028"/>
+            <a:off x="2738263" y="3193926"/>
+            <a:ext cx="4376983" cy="2827362"/>
           </a:xfrm>
           <a:prstGeom prst="rect">
             <a:avLst/>
@@ -20518,7 +21196,7 @@
         </p:nvCxnSpPr>
         <p:spPr>
           <a:xfrm flipV="1">
-            <a:off x="3872880" y="2780928"/>
+            <a:off x="3656856" y="2948857"/>
             <a:ext cx="0" cy="1800200"/>
           </a:xfrm>
           <a:prstGeom prst="line">
@@ -20585,172 +21263,6 @@
     <p:extLst>
       <p:ext uri="{BB962C8B-B14F-4D97-AF65-F5344CB8AC3E}">
         <p14:creationId xmlns:p14="http://schemas.microsoft.com/office/powerpoint/2010/main" val="4289602093"/>
-      </p:ext>
-    </p:extLst>
-  </p:cSld>
-  <p:clrMapOvr>
-    <a:masterClrMapping/>
-  </p:clrMapOvr>
-  <p:timing>
-    <p:tnLst>
-      <p:par>
-        <p:cTn id="1" dur="indefinite" restart="never" nodeType="tmRoot"/>
-      </p:par>
-    </p:tnLst>
-  </p:timing>
-</p:sld>
-</file>
-
-<file path=ppt/slides/slide9.xml><?xml version="1.0" encoding="utf-8"?>
-<p:sld xmlns:a="http://schemas.openxmlformats.org/drawingml/2006/main" xmlns:r="http://schemas.openxmlformats.org/officeDocument/2006/relationships" xmlns:p="http://schemas.openxmlformats.org/presentationml/2006/main">
-  <p:cSld>
-    <p:spTree>
-      <p:nvGrpSpPr>
-        <p:cNvPr id="1" name=""/>
-        <p:cNvGrpSpPr/>
-        <p:nvPr/>
-      </p:nvGrpSpPr>
-      <p:grpSpPr>
-        <a:xfrm>
-          <a:off x="0" y="0"/>
-          <a:ext cx="0" cy="0"/>
-          <a:chOff x="0" y="0"/>
-          <a:chExt cx="0" cy="0"/>
-        </a:xfrm>
-      </p:grpSpPr>
-      <p:sp>
-        <p:nvSpPr>
-          <p:cNvPr id="6" name="제목 5"/>
-          <p:cNvSpPr>
-            <a:spLocks noGrp="1"/>
-          </p:cNvSpPr>
-          <p:nvPr>
-            <p:ph type="title"/>
-          </p:nvPr>
-        </p:nvSpPr>
-        <p:spPr/>
-        <p:txBody>
-          <a:bodyPr/>
-          <a:lstStyle/>
-          <a:p>
-            <a:r>
-              <a:rPr lang="en-US" altLang="ko-KR" dirty="0" smtClean="0"/>
-              <a:t> </a:t>
-            </a:r>
-            <a:r>
-              <a:rPr lang="ko-KR" altLang="en-US" dirty="0" err="1"/>
-              <a:t>추상메서드</a:t>
-            </a:r>
-            <a:endParaRPr lang="ko-KR" altLang="en-US" dirty="0"/>
-          </a:p>
-        </p:txBody>
-      </p:sp>
-      <p:sp>
-        <p:nvSpPr>
-          <p:cNvPr id="5" name="슬라이드 번호 개체 틀 4"/>
-          <p:cNvSpPr>
-            <a:spLocks noGrp="1"/>
-          </p:cNvSpPr>
-          <p:nvPr>
-            <p:ph type="sldNum" sz="quarter" idx="12"/>
-          </p:nvPr>
-        </p:nvSpPr>
-        <p:spPr>
-          <a:xfrm>
-            <a:off x="8853433" y="7312347"/>
-            <a:ext cx="557267" cy="365125"/>
-          </a:xfrm>
-        </p:spPr>
-        <p:txBody>
-          <a:bodyPr/>
-          <a:lstStyle/>
-          <a:p>
-            <a:fld id="{1BDE3FE7-3AEA-4B05-AC5A-802D1816ACF0}" type="slidenum">
-              <a:rPr lang="ko-KR" altLang="en-US" smtClean="0"/>
-              <a:t>9</a:t>
-            </a:fld>
-            <a:endParaRPr lang="ko-KR" altLang="en-US"/>
-          </a:p>
-        </p:txBody>
-      </p:sp>
-      <p:pic>
-        <p:nvPicPr>
-          <p:cNvPr id="3" name="그림 2"/>
-          <p:cNvPicPr>
-            <a:picLocks noChangeAspect="1"/>
-          </p:cNvPicPr>
-          <p:nvPr/>
-        </p:nvPicPr>
-        <p:blipFill>
-          <a:blip r:embed="rId2">
-            <a:extLst>
-              <a:ext uri="{28A0092B-C50C-407E-A947-70E740481C1C}">
-                <a14:useLocalDpi xmlns:a14="http://schemas.microsoft.com/office/drawing/2010/main" val="0"/>
-              </a:ext>
-            </a:extLst>
-          </a:blip>
-          <a:stretch>
-            <a:fillRect/>
-          </a:stretch>
-        </p:blipFill>
-        <p:spPr>
-          <a:xfrm>
-            <a:off x="1928664" y="1047403"/>
-            <a:ext cx="4619168" cy="5169236"/>
-          </a:xfrm>
-          <a:prstGeom prst="rect">
-            <a:avLst/>
-          </a:prstGeom>
-          <a:ln>
-            <a:solidFill>
-              <a:schemeClr val="bg1">
-                <a:lumMod val="75000"/>
-              </a:schemeClr>
-            </a:solidFill>
-          </a:ln>
-        </p:spPr>
-      </p:pic>
-      <p:pic>
-        <p:nvPicPr>
-          <p:cNvPr id="4" name="그림 3"/>
-          <p:cNvPicPr>
-            <a:picLocks noChangeAspect="1"/>
-          </p:cNvPicPr>
-          <p:nvPr/>
-        </p:nvPicPr>
-        <p:blipFill>
-          <a:blip r:embed="rId3">
-            <a:extLst>
-              <a:ext uri="{28A0092B-C50C-407E-A947-70E740481C1C}">
-                <a14:useLocalDpi xmlns:a14="http://schemas.microsoft.com/office/drawing/2010/main" val="0"/>
-              </a:ext>
-            </a:extLst>
-          </a:blip>
-          <a:stretch>
-            <a:fillRect/>
-          </a:stretch>
-        </p:blipFill>
-        <p:spPr>
-          <a:xfrm>
-            <a:off x="6969224" y="3332212"/>
-            <a:ext cx="1051651" cy="1806097"/>
-          </a:xfrm>
-          <a:prstGeom prst="rect">
-            <a:avLst/>
-          </a:prstGeom>
-          <a:ln>
-            <a:solidFill>
-              <a:schemeClr val="bg1">
-                <a:lumMod val="75000"/>
-              </a:schemeClr>
-            </a:solidFill>
-          </a:ln>
-        </p:spPr>
-      </p:pic>
-    </p:spTree>
-    <p:extLst>
-      <p:ext uri="{BB962C8B-B14F-4D97-AF65-F5344CB8AC3E}">
-        <p14:creationId xmlns:p14="http://schemas.microsoft.com/office/powerpoint/2010/main" val="772573058"/>
       </p:ext>
     </p:extLst>
   </p:cSld>
